--- a/Team Lost in ML.pptx.pptx
+++ b/Team Lost in ML.pptx.pptx
@@ -7273,8 +7273,8 @@
         </p:nvSpPr>
         <p:spPr>
           <a:xfrm flipH="false" flipV="false" rot="0">
-            <a:off x="2462375" y="2306187"/>
-            <a:ext cx="14367758" cy="7693737"/>
+            <a:off x="3033726" y="1904710"/>
+            <a:ext cx="13873149" cy="7803646"/>
           </a:xfrm>
           <a:custGeom>
             <a:avLst/>
@@ -7283,18 +7283,18 @@
             <a:cxnLst/>
             <a:rect r="r" b="b" t="t" l="l"/>
             <a:pathLst>
-              <a:path h="7693737" w="14367758">
+              <a:path h="7803646" w="13873149">
                 <a:moveTo>
                   <a:pt x="0" y="0"/>
                 </a:moveTo>
                 <a:lnTo>
-                  <a:pt x="14367758" y="0"/>
+                  <a:pt x="13873149" y="0"/>
                 </a:lnTo>
                 <a:lnTo>
-                  <a:pt x="14367758" y="7693737"/>
+                  <a:pt x="13873149" y="7803646"/>
                 </a:lnTo>
                 <a:lnTo>
-                  <a:pt x="0" y="7693737"/>
+                  <a:pt x="0" y="7803646"/>
                 </a:lnTo>
                 <a:lnTo>
                   <a:pt x="0" y="0"/>
@@ -7306,7 +7306,7 @@
           <a:blipFill>
             <a:blip r:embed="rId4"/>
             <a:stretch>
-              <a:fillRect l="0" t="-2574" r="0" b="-2574"/>
+              <a:fillRect l="0" t="0" r="0" b="0"/>
             </a:stretch>
           </a:blipFill>
         </p:spPr>

--- a/Team Lost in ML.pptx.pptx
+++ b/Team Lost in ML.pptx.pptx
@@ -1,36 +1,36 @@
 
 <file path=ppt/presentation.xml><?xml version="1.0" encoding="utf-8"?>
-<p:presentation xmlns:a="http://schemas.openxmlformats.org/drawingml/2006/main" xmlns:r="http://schemas.openxmlformats.org/officeDocument/2006/relationships" xmlns:p="http://schemas.openxmlformats.org/presentationml/2006/main" saveSubsetFonts="1" embedTrueTypeFonts="true">
+<p:presentation xmlns:a="http://schemas.openxmlformats.org/drawingml/2006/main" xmlns:r="http://schemas.openxmlformats.org/officeDocument/2006/relationships" xmlns:p="http://schemas.openxmlformats.org/presentationml/2006/main" embedTrueTypeFonts="1" saveSubsetFonts="1">
   <p:sldMasterIdLst>
     <p:sldMasterId id="2147483648" r:id="rId1"/>
   </p:sldMasterIdLst>
   <p:sldIdLst>
-    <p:sldId id="256" r:id="rId6"/>
-    <p:sldId id="257" r:id="rId7"/>
-    <p:sldId id="258" r:id="rId8"/>
-    <p:sldId id="259" r:id="rId9"/>
-    <p:sldId id="260" r:id="rId10"/>
-    <p:sldId id="261" r:id="rId11"/>
-    <p:sldId id="262" r:id="rId12"/>
-    <p:sldId id="263" r:id="rId13"/>
-    <p:sldId id="264" r:id="rId14"/>
-    <p:sldId id="265" r:id="rId15"/>
-    <p:sldId id="266" r:id="rId16"/>
+    <p:sldId id="256" r:id="rId2"/>
+    <p:sldId id="257" r:id="rId3"/>
+    <p:sldId id="258" r:id="rId4"/>
+    <p:sldId id="259" r:id="rId5"/>
+    <p:sldId id="260" r:id="rId6"/>
+    <p:sldId id="261" r:id="rId7"/>
+    <p:sldId id="262" r:id="rId8"/>
+    <p:sldId id="263" r:id="rId9"/>
+    <p:sldId id="264" r:id="rId10"/>
+    <p:sldId id="265" r:id="rId11"/>
+    <p:sldId id="266" r:id="rId12"/>
   </p:sldIdLst>
   <p:sldSz cx="18288000" cy="10287000"/>
   <p:notesSz cx="6858000" cy="9144000"/>
   <p:embeddedFontLst>
     <p:embeddedFont>
-      <p:font typeface="Arimo Bold" charset="1" panose="020B0704020202020204"/>
-      <p:regular r:id="rId17"/>
+      <p:font typeface="Arimo Bold" panose="020B0604020202020204" charset="0"/>
+      <p:regular r:id="rId13"/>
     </p:embeddedFont>
     <p:embeddedFont>
-      <p:font typeface="TT Rounds Condensed Bold" charset="1" panose="02000806030000020003"/>
-      <p:regular r:id="rId18"/>
+      <p:font typeface="TT Rounds Condensed" panose="020B0604020202020204" charset="0"/>
+      <p:regular r:id="rId14"/>
     </p:embeddedFont>
     <p:embeddedFont>
-      <p:font typeface="TT Rounds Condensed" charset="1" panose="02000506030000020003"/>
-      <p:regular r:id="rId19"/>
+      <p:font typeface="TT Rounds Condensed Bold" panose="020B0604020202020204" charset="0"/>
+      <p:regular r:id="rId15"/>
     </p:embeddedFont>
   </p:embeddedFontLst>
   <p:defaultTextStyle>
@@ -128,6 +128,22 @@
       </a:defRPr>
     </a:lvl9pPr>
   </p:defaultTextStyle>
+  <p:extLst>
+    <p:ext uri="{EFAFB233-063F-42B5-8137-9DF3F51BA10A}">
+      <p15:sldGuideLst xmlns:p15="http://schemas.microsoft.com/office/powerpoint/2012/main">
+        <p15:guide id="1" orient="horz" pos="2160">
+          <p15:clr>
+            <a:srgbClr val="A4A3A4"/>
+          </p15:clr>
+        </p15:guide>
+        <p15:guide id="2" pos="2880">
+          <p15:clr>
+            <a:srgbClr val="A4A3A4"/>
+          </p15:clr>
+        </p15:guide>
+      </p15:sldGuideLst>
+    </p:ext>
+  </p:extLst>
 </p:presentation>
 </file>
 
@@ -169,10 +185,9 @@
           <a:lstStyle/>
           <a:p>
             <a:r>
-              <a:rPr lang="en-US" smtClean="0"/>
+              <a:rPr lang="en-US"/>
               <a:t>Click to edit Master title style</a:t>
             </a:r>
-            <a:endParaRPr lang="en-US"/>
           </a:p>
         </p:txBody>
       </p:sp>
@@ -288,10 +303,9 @@
           </a:lstStyle>
           <a:p>
             <a:r>
-              <a:rPr lang="en-US" smtClean="0"/>
+              <a:rPr lang="en-US"/>
               <a:t>Click to edit Master subtitle style</a:t>
             </a:r>
-            <a:endParaRPr lang="en-US"/>
           </a:p>
         </p:txBody>
       </p:sp>
@@ -313,7 +327,7 @@
             <a:fld id="{1D8BD707-D9CF-40AE-B4C6-C98DA3205C09}" type="datetimeFigureOut">
               <a:rPr lang="en-US" smtClean="0"/>
               <a:pPr/>
-              <a:t>8/1/2011</a:t>
+              <a:t>1/30/2025</a:t>
             </a:fld>
             <a:endParaRPr lang="en-US"/>
           </a:p>
@@ -356,7 +370,7 @@
             <a:fld id="{B6F15528-21DE-4FAA-801E-634DDDAF4B2B}" type="slidenum">
               <a:rPr lang="en-US" smtClean="0"/>
               <a:pPr/>
-              <a:t>‹#›</a:t>
+              <a:t>‹Nº›</a:t>
             </a:fld>
             <a:endParaRPr lang="en-US"/>
           </a:p>
@@ -403,10 +417,9 @@
           <a:lstStyle/>
           <a:p>
             <a:r>
-              <a:rPr lang="en-US" smtClean="0"/>
+              <a:rPr lang="en-US"/>
               <a:t>Click to edit Master title style</a:t>
             </a:r>
-            <a:endParaRPr lang="en-US"/>
           </a:p>
         </p:txBody>
       </p:sp>
@@ -427,38 +440,37 @@
           <a:p>
             <a:pPr lvl="0"/>
             <a:r>
-              <a:rPr lang="en-US" smtClean="0"/>
+              <a:rPr lang="en-US"/>
               <a:t>Click to edit Master text styles</a:t>
             </a:r>
           </a:p>
           <a:p>
             <a:pPr lvl="1"/>
             <a:r>
-              <a:rPr lang="en-US" smtClean="0"/>
+              <a:rPr lang="en-US"/>
               <a:t>Second level</a:t>
             </a:r>
           </a:p>
           <a:p>
             <a:pPr lvl="2"/>
             <a:r>
-              <a:rPr lang="en-US" smtClean="0"/>
+              <a:rPr lang="en-US"/>
               <a:t>Third level</a:t>
             </a:r>
           </a:p>
           <a:p>
             <a:pPr lvl="3"/>
             <a:r>
-              <a:rPr lang="en-US" smtClean="0"/>
+              <a:rPr lang="en-US"/>
               <a:t>Fourth level</a:t>
             </a:r>
           </a:p>
           <a:p>
             <a:pPr lvl="4"/>
             <a:r>
-              <a:rPr lang="en-US" smtClean="0"/>
+              <a:rPr lang="en-US"/>
               <a:t>Fifth level</a:t>
             </a:r>
-            <a:endParaRPr lang="en-US"/>
           </a:p>
         </p:txBody>
       </p:sp>
@@ -480,7 +492,7 @@
             <a:fld id="{1D8BD707-D9CF-40AE-B4C6-C98DA3205C09}" type="datetimeFigureOut">
               <a:rPr lang="en-US" smtClean="0"/>
               <a:pPr/>
-              <a:t>8/1/2011</a:t>
+              <a:t>1/30/2025</a:t>
             </a:fld>
             <a:endParaRPr lang="en-US"/>
           </a:p>
@@ -523,7 +535,7 @@
             <a:fld id="{B6F15528-21DE-4FAA-801E-634DDDAF4B2B}" type="slidenum">
               <a:rPr lang="en-US" smtClean="0"/>
               <a:pPr/>
-              <a:t>‹#›</a:t>
+              <a:t>‹Nº›</a:t>
             </a:fld>
             <a:endParaRPr lang="en-US"/>
           </a:p>
@@ -575,10 +587,9 @@
           <a:lstStyle/>
           <a:p>
             <a:r>
-              <a:rPr lang="en-US" smtClean="0"/>
+              <a:rPr lang="en-US"/>
               <a:t>Click to edit Master title style</a:t>
             </a:r>
-            <a:endParaRPr lang="en-US"/>
           </a:p>
         </p:txBody>
       </p:sp>
@@ -604,38 +615,37 @@
           <a:p>
             <a:pPr lvl="0"/>
             <a:r>
-              <a:rPr lang="en-US" smtClean="0"/>
+              <a:rPr lang="en-US"/>
               <a:t>Click to edit Master text styles</a:t>
             </a:r>
           </a:p>
           <a:p>
             <a:pPr lvl="1"/>
             <a:r>
-              <a:rPr lang="en-US" smtClean="0"/>
+              <a:rPr lang="en-US"/>
               <a:t>Second level</a:t>
             </a:r>
           </a:p>
           <a:p>
             <a:pPr lvl="2"/>
             <a:r>
-              <a:rPr lang="en-US" smtClean="0"/>
+              <a:rPr lang="en-US"/>
               <a:t>Third level</a:t>
             </a:r>
           </a:p>
           <a:p>
             <a:pPr lvl="3"/>
             <a:r>
-              <a:rPr lang="en-US" smtClean="0"/>
+              <a:rPr lang="en-US"/>
               <a:t>Fourth level</a:t>
             </a:r>
           </a:p>
           <a:p>
             <a:pPr lvl="4"/>
             <a:r>
-              <a:rPr lang="en-US" smtClean="0"/>
+              <a:rPr lang="en-US"/>
               <a:t>Fifth level</a:t>
             </a:r>
-            <a:endParaRPr lang="en-US"/>
           </a:p>
         </p:txBody>
       </p:sp>
@@ -657,7 +667,7 @@
             <a:fld id="{1D8BD707-D9CF-40AE-B4C6-C98DA3205C09}" type="datetimeFigureOut">
               <a:rPr lang="en-US" smtClean="0"/>
               <a:pPr/>
-              <a:t>8/1/2011</a:t>
+              <a:t>1/30/2025</a:t>
             </a:fld>
             <a:endParaRPr lang="en-US"/>
           </a:p>
@@ -700,7 +710,7 @@
             <a:fld id="{B6F15528-21DE-4FAA-801E-634DDDAF4B2B}" type="slidenum">
               <a:rPr lang="en-US" smtClean="0"/>
               <a:pPr/>
-              <a:t>‹#›</a:t>
+              <a:t>‹Nº›</a:t>
             </a:fld>
             <a:endParaRPr lang="en-US"/>
           </a:p>
@@ -747,10 +757,9 @@
           <a:lstStyle/>
           <a:p>
             <a:r>
-              <a:rPr lang="en-US" smtClean="0"/>
+              <a:rPr lang="en-US"/>
               <a:t>Click to edit Master title style</a:t>
             </a:r>
-            <a:endParaRPr lang="en-US"/>
           </a:p>
         </p:txBody>
       </p:sp>
@@ -771,38 +780,37 @@
           <a:p>
             <a:pPr lvl="0"/>
             <a:r>
-              <a:rPr lang="en-US" smtClean="0"/>
+              <a:rPr lang="en-US"/>
               <a:t>Click to edit Master text styles</a:t>
             </a:r>
           </a:p>
           <a:p>
             <a:pPr lvl="1"/>
             <a:r>
-              <a:rPr lang="en-US" smtClean="0"/>
+              <a:rPr lang="en-US"/>
               <a:t>Second level</a:t>
             </a:r>
           </a:p>
           <a:p>
             <a:pPr lvl="2"/>
             <a:r>
-              <a:rPr lang="en-US" smtClean="0"/>
+              <a:rPr lang="en-US"/>
               <a:t>Third level</a:t>
             </a:r>
           </a:p>
           <a:p>
             <a:pPr lvl="3"/>
             <a:r>
-              <a:rPr lang="en-US" smtClean="0"/>
+              <a:rPr lang="en-US"/>
               <a:t>Fourth level</a:t>
             </a:r>
           </a:p>
           <a:p>
             <a:pPr lvl="4"/>
             <a:r>
-              <a:rPr lang="en-US" smtClean="0"/>
+              <a:rPr lang="en-US"/>
               <a:t>Fifth level</a:t>
             </a:r>
-            <a:endParaRPr lang="en-US"/>
           </a:p>
         </p:txBody>
       </p:sp>
@@ -824,7 +832,7 @@
             <a:fld id="{1D8BD707-D9CF-40AE-B4C6-C98DA3205C09}" type="datetimeFigureOut">
               <a:rPr lang="en-US" smtClean="0"/>
               <a:pPr/>
-              <a:t>8/1/2011</a:t>
+              <a:t>1/30/2025</a:t>
             </a:fld>
             <a:endParaRPr lang="en-US"/>
           </a:p>
@@ -867,7 +875,7 @@
             <a:fld id="{B6F15528-21DE-4FAA-801E-634DDDAF4B2B}" type="slidenum">
               <a:rPr lang="en-US" smtClean="0"/>
               <a:pPr/>
-              <a:t>‹#›</a:t>
+              <a:t>‹Nº›</a:t>
             </a:fld>
             <a:endParaRPr lang="en-US"/>
           </a:p>
@@ -923,10 +931,9 @@
           </a:lstStyle>
           <a:p>
             <a:r>
-              <a:rPr lang="en-US" smtClean="0"/>
+              <a:rPr lang="en-US"/>
               <a:t>Click to edit Master title style</a:t>
             </a:r>
-            <a:endParaRPr lang="en-US"/>
           </a:p>
         </p:txBody>
       </p:sp>
@@ -1043,7 +1050,7 @@
           <a:p>
             <a:pPr lvl="0"/>
             <a:r>
-              <a:rPr lang="en-US" smtClean="0"/>
+              <a:rPr lang="en-US"/>
               <a:t>Click to edit Master text styles</a:t>
             </a:r>
           </a:p>
@@ -1067,7 +1074,7 @@
             <a:fld id="{1D8BD707-D9CF-40AE-B4C6-C98DA3205C09}" type="datetimeFigureOut">
               <a:rPr lang="en-US" smtClean="0"/>
               <a:pPr/>
-              <a:t>8/1/2011</a:t>
+              <a:t>1/30/2025</a:t>
             </a:fld>
             <a:endParaRPr lang="en-US"/>
           </a:p>
@@ -1110,7 +1117,7 @@
             <a:fld id="{B6F15528-21DE-4FAA-801E-634DDDAF4B2B}" type="slidenum">
               <a:rPr lang="en-US" smtClean="0"/>
               <a:pPr/>
-              <a:t>‹#›</a:t>
+              <a:t>‹Nº›</a:t>
             </a:fld>
             <a:endParaRPr lang="en-US"/>
           </a:p>
@@ -1157,10 +1164,9 @@
           <a:lstStyle/>
           <a:p>
             <a:r>
-              <a:rPr lang="en-US" smtClean="0"/>
+              <a:rPr lang="en-US"/>
               <a:t>Click to edit Master title style</a:t>
             </a:r>
-            <a:endParaRPr lang="en-US"/>
           </a:p>
         </p:txBody>
       </p:sp>
@@ -1214,38 +1220,37 @@
           <a:p>
             <a:pPr lvl="0"/>
             <a:r>
-              <a:rPr lang="en-US" smtClean="0"/>
+              <a:rPr lang="en-US"/>
               <a:t>Click to edit Master text styles</a:t>
             </a:r>
           </a:p>
           <a:p>
             <a:pPr lvl="1"/>
             <a:r>
-              <a:rPr lang="en-US" smtClean="0"/>
+              <a:rPr lang="en-US"/>
               <a:t>Second level</a:t>
             </a:r>
           </a:p>
           <a:p>
             <a:pPr lvl="2"/>
             <a:r>
-              <a:rPr lang="en-US" smtClean="0"/>
+              <a:rPr lang="en-US"/>
               <a:t>Third level</a:t>
             </a:r>
           </a:p>
           <a:p>
             <a:pPr lvl="3"/>
             <a:r>
-              <a:rPr lang="en-US" smtClean="0"/>
+              <a:rPr lang="en-US"/>
               <a:t>Fourth level</a:t>
             </a:r>
           </a:p>
           <a:p>
             <a:pPr lvl="4"/>
             <a:r>
-              <a:rPr lang="en-US" smtClean="0"/>
+              <a:rPr lang="en-US"/>
               <a:t>Fifth level</a:t>
             </a:r>
-            <a:endParaRPr lang="en-US"/>
           </a:p>
         </p:txBody>
       </p:sp>
@@ -1299,38 +1304,37 @@
           <a:p>
             <a:pPr lvl="0"/>
             <a:r>
-              <a:rPr lang="en-US" smtClean="0"/>
+              <a:rPr lang="en-US"/>
               <a:t>Click to edit Master text styles</a:t>
             </a:r>
           </a:p>
           <a:p>
             <a:pPr lvl="1"/>
             <a:r>
-              <a:rPr lang="en-US" smtClean="0"/>
+              <a:rPr lang="en-US"/>
               <a:t>Second level</a:t>
             </a:r>
           </a:p>
           <a:p>
             <a:pPr lvl="2"/>
             <a:r>
-              <a:rPr lang="en-US" smtClean="0"/>
+              <a:rPr lang="en-US"/>
               <a:t>Third level</a:t>
             </a:r>
           </a:p>
           <a:p>
             <a:pPr lvl="3"/>
             <a:r>
-              <a:rPr lang="en-US" smtClean="0"/>
+              <a:rPr lang="en-US"/>
               <a:t>Fourth level</a:t>
             </a:r>
           </a:p>
           <a:p>
             <a:pPr lvl="4"/>
             <a:r>
-              <a:rPr lang="en-US" smtClean="0"/>
+              <a:rPr lang="en-US"/>
               <a:t>Fifth level</a:t>
             </a:r>
-            <a:endParaRPr lang="en-US"/>
           </a:p>
         </p:txBody>
       </p:sp>
@@ -1352,7 +1356,7 @@
             <a:fld id="{1D8BD707-D9CF-40AE-B4C6-C98DA3205C09}" type="datetimeFigureOut">
               <a:rPr lang="en-US" smtClean="0"/>
               <a:pPr/>
-              <a:t>8/1/2011</a:t>
+              <a:t>1/30/2025</a:t>
             </a:fld>
             <a:endParaRPr lang="en-US"/>
           </a:p>
@@ -1395,7 +1399,7 @@
             <a:fld id="{B6F15528-21DE-4FAA-801E-634DDDAF4B2B}" type="slidenum">
               <a:rPr lang="en-US" smtClean="0"/>
               <a:pPr/>
-              <a:t>‹#›</a:t>
+              <a:t>‹Nº›</a:t>
             </a:fld>
             <a:endParaRPr lang="en-US"/>
           </a:p>
@@ -1446,10 +1450,9 @@
           </a:lstStyle>
           <a:p>
             <a:r>
-              <a:rPr lang="en-US" smtClean="0"/>
+              <a:rPr lang="en-US"/>
               <a:t>Click to edit Master title style</a:t>
             </a:r>
-            <a:endParaRPr lang="en-US"/>
           </a:p>
         </p:txBody>
       </p:sp>
@@ -1512,7 +1515,7 @@
           <a:p>
             <a:pPr lvl="0"/>
             <a:r>
-              <a:rPr lang="en-US" smtClean="0"/>
+              <a:rPr lang="en-US"/>
               <a:t>Click to edit Master text styles</a:t>
             </a:r>
           </a:p>
@@ -1568,38 +1571,37 @@
           <a:p>
             <a:pPr lvl="0"/>
             <a:r>
-              <a:rPr lang="en-US" smtClean="0"/>
+              <a:rPr lang="en-US"/>
               <a:t>Click to edit Master text styles</a:t>
             </a:r>
           </a:p>
           <a:p>
             <a:pPr lvl="1"/>
             <a:r>
-              <a:rPr lang="en-US" smtClean="0"/>
+              <a:rPr lang="en-US"/>
               <a:t>Second level</a:t>
             </a:r>
           </a:p>
           <a:p>
             <a:pPr lvl="2"/>
             <a:r>
-              <a:rPr lang="en-US" smtClean="0"/>
+              <a:rPr lang="en-US"/>
               <a:t>Third level</a:t>
             </a:r>
           </a:p>
           <a:p>
             <a:pPr lvl="3"/>
             <a:r>
-              <a:rPr lang="en-US" smtClean="0"/>
+              <a:rPr lang="en-US"/>
               <a:t>Fourth level</a:t>
             </a:r>
           </a:p>
           <a:p>
             <a:pPr lvl="4"/>
             <a:r>
-              <a:rPr lang="en-US" smtClean="0"/>
+              <a:rPr lang="en-US"/>
               <a:t>Fifth level</a:t>
             </a:r>
-            <a:endParaRPr lang="en-US"/>
           </a:p>
         </p:txBody>
       </p:sp>
@@ -1662,7 +1664,7 @@
           <a:p>
             <a:pPr lvl="0"/>
             <a:r>
-              <a:rPr lang="en-US" smtClean="0"/>
+              <a:rPr lang="en-US"/>
               <a:t>Click to edit Master text styles</a:t>
             </a:r>
           </a:p>
@@ -1718,38 +1720,37 @@
           <a:p>
             <a:pPr lvl="0"/>
             <a:r>
-              <a:rPr lang="en-US" smtClean="0"/>
+              <a:rPr lang="en-US"/>
               <a:t>Click to edit Master text styles</a:t>
             </a:r>
           </a:p>
           <a:p>
             <a:pPr lvl="1"/>
             <a:r>
-              <a:rPr lang="en-US" smtClean="0"/>
+              <a:rPr lang="en-US"/>
               <a:t>Second level</a:t>
             </a:r>
           </a:p>
           <a:p>
             <a:pPr lvl="2"/>
             <a:r>
-              <a:rPr lang="en-US" smtClean="0"/>
+              <a:rPr lang="en-US"/>
               <a:t>Third level</a:t>
             </a:r>
           </a:p>
           <a:p>
             <a:pPr lvl="3"/>
             <a:r>
-              <a:rPr lang="en-US" smtClean="0"/>
+              <a:rPr lang="en-US"/>
               <a:t>Fourth level</a:t>
             </a:r>
           </a:p>
           <a:p>
             <a:pPr lvl="4"/>
             <a:r>
-              <a:rPr lang="en-US" smtClean="0"/>
+              <a:rPr lang="en-US"/>
               <a:t>Fifth level</a:t>
             </a:r>
-            <a:endParaRPr lang="en-US"/>
           </a:p>
         </p:txBody>
       </p:sp>
@@ -1771,7 +1772,7 @@
             <a:fld id="{1D8BD707-D9CF-40AE-B4C6-C98DA3205C09}" type="datetimeFigureOut">
               <a:rPr lang="en-US" smtClean="0"/>
               <a:pPr/>
-              <a:t>8/1/2011</a:t>
+              <a:t>1/30/2025</a:t>
             </a:fld>
             <a:endParaRPr lang="en-US"/>
           </a:p>
@@ -1814,7 +1815,7 @@
             <a:fld id="{B6F15528-21DE-4FAA-801E-634DDDAF4B2B}" type="slidenum">
               <a:rPr lang="en-US" smtClean="0"/>
               <a:pPr/>
-              <a:t>‹#›</a:t>
+              <a:t>‹Nº›</a:t>
             </a:fld>
             <a:endParaRPr lang="en-US"/>
           </a:p>
@@ -1861,10 +1862,9 @@
           <a:lstStyle/>
           <a:p>
             <a:r>
-              <a:rPr lang="en-US" smtClean="0"/>
+              <a:rPr lang="en-US"/>
               <a:t>Click to edit Master title style</a:t>
             </a:r>
-            <a:endParaRPr lang="en-US"/>
           </a:p>
         </p:txBody>
       </p:sp>
@@ -1886,7 +1886,7 @@
             <a:fld id="{1D8BD707-D9CF-40AE-B4C6-C98DA3205C09}" type="datetimeFigureOut">
               <a:rPr lang="en-US" smtClean="0"/>
               <a:pPr/>
-              <a:t>8/1/2011</a:t>
+              <a:t>1/30/2025</a:t>
             </a:fld>
             <a:endParaRPr lang="en-US"/>
           </a:p>
@@ -1929,7 +1929,7 @@
             <a:fld id="{B6F15528-21DE-4FAA-801E-634DDDAF4B2B}" type="slidenum">
               <a:rPr lang="en-US" smtClean="0"/>
               <a:pPr/>
-              <a:t>‹#›</a:t>
+              <a:t>‹Nº›</a:t>
             </a:fld>
             <a:endParaRPr lang="en-US"/>
           </a:p>
@@ -1978,7 +1978,7 @@
             <a:fld id="{1D8BD707-D9CF-40AE-B4C6-C98DA3205C09}" type="datetimeFigureOut">
               <a:rPr lang="en-US" smtClean="0"/>
               <a:pPr/>
-              <a:t>8/1/2011</a:t>
+              <a:t>1/30/2025</a:t>
             </a:fld>
             <a:endParaRPr lang="en-US"/>
           </a:p>
@@ -2021,7 +2021,7 @@
             <a:fld id="{B6F15528-21DE-4FAA-801E-634DDDAF4B2B}" type="slidenum">
               <a:rPr lang="en-US" smtClean="0"/>
               <a:pPr/>
-              <a:t>‹#›</a:t>
+              <a:t>‹Nº›</a:t>
             </a:fld>
             <a:endParaRPr lang="en-US"/>
           </a:p>
@@ -2077,10 +2077,9 @@
           </a:lstStyle>
           <a:p>
             <a:r>
-              <a:rPr lang="en-US" smtClean="0"/>
+              <a:rPr lang="en-US"/>
               <a:t>Click to edit Master title style</a:t>
             </a:r>
-            <a:endParaRPr lang="en-US"/>
           </a:p>
         </p:txBody>
       </p:sp>
@@ -2134,38 +2133,37 @@
           <a:p>
             <a:pPr lvl="0"/>
             <a:r>
-              <a:rPr lang="en-US" smtClean="0"/>
+              <a:rPr lang="en-US"/>
               <a:t>Click to edit Master text styles</a:t>
             </a:r>
           </a:p>
           <a:p>
             <a:pPr lvl="1"/>
             <a:r>
-              <a:rPr lang="en-US" smtClean="0"/>
+              <a:rPr lang="en-US"/>
               <a:t>Second level</a:t>
             </a:r>
           </a:p>
           <a:p>
             <a:pPr lvl="2"/>
             <a:r>
-              <a:rPr lang="en-US" smtClean="0"/>
+              <a:rPr lang="en-US"/>
               <a:t>Third level</a:t>
             </a:r>
           </a:p>
           <a:p>
             <a:pPr lvl="3"/>
             <a:r>
-              <a:rPr lang="en-US" smtClean="0"/>
+              <a:rPr lang="en-US"/>
               <a:t>Fourth level</a:t>
             </a:r>
           </a:p>
           <a:p>
             <a:pPr lvl="4"/>
             <a:r>
-              <a:rPr lang="en-US" smtClean="0"/>
+              <a:rPr lang="en-US"/>
               <a:t>Fifth level</a:t>
             </a:r>
-            <a:endParaRPr lang="en-US"/>
           </a:p>
         </p:txBody>
       </p:sp>
@@ -2228,7 +2226,7 @@
           <a:p>
             <a:pPr lvl="0"/>
             <a:r>
-              <a:rPr lang="en-US" smtClean="0"/>
+              <a:rPr lang="en-US"/>
               <a:t>Click to edit Master text styles</a:t>
             </a:r>
           </a:p>
@@ -2252,7 +2250,7 @@
             <a:fld id="{1D8BD707-D9CF-40AE-B4C6-C98DA3205C09}" type="datetimeFigureOut">
               <a:rPr lang="en-US" smtClean="0"/>
               <a:pPr/>
-              <a:t>8/1/2011</a:t>
+              <a:t>1/30/2025</a:t>
             </a:fld>
             <a:endParaRPr lang="en-US"/>
           </a:p>
@@ -2295,7 +2293,7 @@
             <a:fld id="{B6F15528-21DE-4FAA-801E-634DDDAF4B2B}" type="slidenum">
               <a:rPr lang="en-US" smtClean="0"/>
               <a:pPr/>
-              <a:t>‹#›</a:t>
+              <a:t>‹Nº›</a:t>
             </a:fld>
             <a:endParaRPr lang="en-US"/>
           </a:p>
@@ -2351,10 +2349,9 @@
           </a:lstStyle>
           <a:p>
             <a:r>
-              <a:rPr lang="en-US" smtClean="0"/>
+              <a:rPr lang="en-US"/>
               <a:t>Click to edit Master title style</a:t>
             </a:r>
-            <a:endParaRPr lang="en-US"/>
           </a:p>
         </p:txBody>
       </p:sp>
@@ -2478,7 +2475,7 @@
           <a:p>
             <a:pPr lvl="0"/>
             <a:r>
-              <a:rPr lang="en-US" smtClean="0"/>
+              <a:rPr lang="en-US"/>
               <a:t>Click to edit Master text styles</a:t>
             </a:r>
           </a:p>
@@ -2502,7 +2499,7 @@
             <a:fld id="{1D8BD707-D9CF-40AE-B4C6-C98DA3205C09}" type="datetimeFigureOut">
               <a:rPr lang="en-US" smtClean="0"/>
               <a:pPr/>
-              <a:t>8/1/2011</a:t>
+              <a:t>1/30/2025</a:t>
             </a:fld>
             <a:endParaRPr lang="en-US"/>
           </a:p>
@@ -2545,7 +2542,7 @@
             <a:fld id="{B6F15528-21DE-4FAA-801E-634DDDAF4B2B}" type="slidenum">
               <a:rPr lang="en-US" smtClean="0"/>
               <a:pPr/>
-              <a:t>‹#›</a:t>
+              <a:t>‹Nº›</a:t>
             </a:fld>
             <a:endParaRPr lang="en-US"/>
           </a:p>
@@ -2607,10 +2604,9 @@
           <a:lstStyle/>
           <a:p>
             <a:r>
-              <a:rPr lang="en-US" smtClean="0"/>
+              <a:rPr lang="en-US"/>
               <a:t>Click to edit Master title style</a:t>
             </a:r>
-            <a:endParaRPr lang="en-US"/>
           </a:p>
         </p:txBody>
       </p:sp>
@@ -2641,38 +2637,37 @@
           <a:p>
             <a:pPr lvl="0"/>
             <a:r>
-              <a:rPr lang="en-US" smtClean="0"/>
+              <a:rPr lang="en-US"/>
               <a:t>Click to edit Master text styles</a:t>
             </a:r>
           </a:p>
           <a:p>
             <a:pPr lvl="1"/>
             <a:r>
-              <a:rPr lang="en-US" smtClean="0"/>
+              <a:rPr lang="en-US"/>
               <a:t>Second level</a:t>
             </a:r>
           </a:p>
           <a:p>
             <a:pPr lvl="2"/>
             <a:r>
-              <a:rPr lang="en-US" smtClean="0"/>
+              <a:rPr lang="en-US"/>
               <a:t>Third level</a:t>
             </a:r>
           </a:p>
           <a:p>
             <a:pPr lvl="3"/>
             <a:r>
-              <a:rPr lang="en-US" smtClean="0"/>
+              <a:rPr lang="en-US"/>
               <a:t>Fourth level</a:t>
             </a:r>
           </a:p>
           <a:p>
             <a:pPr lvl="4"/>
             <a:r>
-              <a:rPr lang="en-US" smtClean="0"/>
+              <a:rPr lang="en-US"/>
               <a:t>Fifth level</a:t>
             </a:r>
-            <a:endParaRPr lang="en-US"/>
           </a:p>
         </p:txBody>
       </p:sp>
@@ -2712,7 +2707,7 @@
             <a:fld id="{1D8BD707-D9CF-40AE-B4C6-C98DA3205C09}" type="datetimeFigureOut">
               <a:rPr lang="en-US" smtClean="0"/>
               <a:pPr/>
-              <a:t>8/1/2011</a:t>
+              <a:t>1/30/2025</a:t>
             </a:fld>
             <a:endParaRPr lang="en-US"/>
           </a:p>
@@ -2791,7 +2786,7 @@
             <a:fld id="{B6F15528-21DE-4FAA-801E-634DDDAF4B2B}" type="slidenum">
               <a:rPr lang="en-US" smtClean="0"/>
               <a:pPr/>
-              <a:t>‹#›</a:t>
+              <a:t>‹Nº›</a:t>
             </a:fld>
             <a:endParaRPr lang="en-US"/>
           </a:p>
@@ -3067,7 +3062,7 @@
 </file>
 
 <file path=ppt/slides/slide1.xml><?xml version="1.0" encoding="utf-8"?>
-<p:sld xmlns:p="http://schemas.openxmlformats.org/presentationml/2006/main" xmlns:a="http://schemas.openxmlformats.org/drawingml/2006/main" xmlns:r="http://schemas.openxmlformats.org/officeDocument/2006/relationships">
+<p:sld xmlns:a="http://schemas.openxmlformats.org/drawingml/2006/main" xmlns:r="http://schemas.openxmlformats.org/officeDocument/2006/relationships" xmlns:p="http://schemas.openxmlformats.org/presentationml/2006/main">
   <p:cSld>
     <p:spTree>
       <p:nvGrpSpPr>
@@ -3085,12 +3080,12 @@
       </p:grpSpPr>
       <p:grpSp>
         <p:nvGrpSpPr>
-          <p:cNvPr name="Group 2" id="2"/>
+          <p:cNvPr id="2" name="Group 2"/>
           <p:cNvGrpSpPr/>
           <p:nvPr/>
         </p:nvGrpSpPr>
         <p:grpSpPr>
-          <a:xfrm rot="0">
+          <a:xfrm>
             <a:off x="0" y="0"/>
             <a:ext cx="18288000" cy="10287000"/>
             <a:chOff x="0" y="0"/>
@@ -3099,12 +3094,12 @@
         </p:grpSpPr>
         <p:sp>
           <p:nvSpPr>
-            <p:cNvPr name="Freeform 3" id="3"/>
+            <p:cNvPr id="3" name="Freeform 3"/>
             <p:cNvSpPr/>
             <p:nvPr/>
           </p:nvSpPr>
           <p:spPr>
-            <a:xfrm flipH="false" flipV="false" rot="0">
+            <a:xfrm>
               <a:off x="0" y="0"/>
               <a:ext cx="24384000" cy="13716000"/>
             </a:xfrm>
@@ -3113,9 +3108,9 @@
               <a:gdLst/>
               <a:ahLst/>
               <a:cxnLst/>
-              <a:rect r="r" b="b" t="t" l="l"/>
+              <a:rect l="l" t="t" r="r" b="b"/>
               <a:pathLst>
-                <a:path h="13716000" w="24384000">
+                <a:path w="24384000" h="13716000">
                   <a:moveTo>
                     <a:pt x="0" y="0"/>
                   </a:moveTo>
@@ -3138,20 +3133,27 @@
             <a:blipFill>
               <a:blip r:embed="rId2"/>
               <a:stretch>
-                <a:fillRect l="-6250" t="0" r="-6250" b="0"/>
+                <a:fillRect l="-6250" r="-6250"/>
               </a:stretch>
             </a:blipFill>
           </p:spPr>
+          <p:txBody>
+            <a:bodyPr/>
+            <a:lstStyle/>
+            <a:p>
+              <a:endParaRPr lang="es-ES" noProof="0" dirty="0"/>
+            </a:p>
+          </p:txBody>
         </p:sp>
       </p:grpSp>
       <p:grpSp>
         <p:nvGrpSpPr>
-          <p:cNvPr name="Group 4" id="4"/>
+          <p:cNvPr id="4" name="Group 4"/>
           <p:cNvGrpSpPr/>
           <p:nvPr/>
         </p:nvGrpSpPr>
         <p:grpSpPr>
-          <a:xfrm rot="0">
+          <a:xfrm>
             <a:off x="14117229" y="9031616"/>
             <a:ext cx="3854777" cy="900353"/>
             <a:chOff x="0" y="0"/>
@@ -3160,12 +3162,12 @@
         </p:grpSpPr>
         <p:sp>
           <p:nvSpPr>
-            <p:cNvPr name="Freeform 5" id="5"/>
+            <p:cNvPr id="5" name="Freeform 5"/>
             <p:cNvSpPr/>
             <p:nvPr/>
           </p:nvSpPr>
           <p:spPr>
-            <a:xfrm flipH="false" flipV="false" rot="0">
+            <a:xfrm>
               <a:off x="0" y="0"/>
               <a:ext cx="5139690" cy="1200531"/>
             </a:xfrm>
@@ -3174,9 +3176,9 @@
               <a:gdLst/>
               <a:ahLst/>
               <a:cxnLst/>
-              <a:rect r="r" b="b" t="t" l="l"/>
+              <a:rect l="l" t="t" r="r" b="b"/>
               <a:pathLst>
-                <a:path h="1200531" w="5139690">
+                <a:path w="5139690" h="1200531">
                   <a:moveTo>
                     <a:pt x="0" y="0"/>
                   </a:moveTo>
@@ -3199,34 +3201,41 @@
             <a:blipFill>
               <a:blip r:embed="rId3"/>
               <a:stretch>
-                <a:fillRect l="0" t="-51210" r="0" b="-51205"/>
+                <a:fillRect t="-51210" b="-51205"/>
               </a:stretch>
             </a:blipFill>
           </p:spPr>
+          <p:txBody>
+            <a:bodyPr/>
+            <a:lstStyle/>
+            <a:p>
+              <a:endParaRPr lang="es-ES" noProof="0" dirty="0"/>
+            </a:p>
+          </p:txBody>
         </p:sp>
       </p:grpSp>
       <p:grpSp>
         <p:nvGrpSpPr>
-          <p:cNvPr name="Group 6" id="6"/>
+          <p:cNvPr id="6" name="Group 6"/>
           <p:cNvGrpSpPr/>
           <p:nvPr/>
         </p:nvGrpSpPr>
         <p:grpSpPr>
-          <a:xfrm rot="0">
-            <a:off x="4191000" y="495300"/>
-            <a:ext cx="11666538" cy="1211263"/>
+          <a:xfrm>
+            <a:off x="3886200" y="495300"/>
+            <a:ext cx="13589466" cy="1609824"/>
             <a:chOff x="0" y="0"/>
-            <a:chExt cx="15555384" cy="1615017"/>
+            <a:chExt cx="17657956" cy="2146430"/>
           </a:xfrm>
         </p:grpSpPr>
         <p:sp>
           <p:nvSpPr>
-            <p:cNvPr name="Freeform 7" id="7"/>
+            <p:cNvPr id="7" name="Freeform 7"/>
             <p:cNvSpPr/>
             <p:nvPr/>
           </p:nvSpPr>
           <p:spPr>
-            <a:xfrm flipH="false" flipV="false" rot="0">
+            <a:xfrm>
               <a:off x="0" y="0"/>
               <a:ext cx="15555384" cy="1615017"/>
             </a:xfrm>
@@ -3235,9 +3244,9 @@
               <a:gdLst/>
               <a:ahLst/>
               <a:cxnLst/>
-              <a:rect r="r" b="b" t="t" l="l"/>
+              <a:rect l="l" t="t" r="r" b="b"/>
               <a:pathLst>
-                <a:path h="1615017" w="15555384">
+                <a:path w="15555384" h="1615017">
                   <a:moveTo>
                     <a:pt x="0" y="0"/>
                   </a:moveTo>
@@ -3260,24 +3269,31 @@
               </a:srgbClr>
             </a:solidFill>
           </p:spPr>
+          <p:txBody>
+            <a:bodyPr/>
+            <a:lstStyle/>
+            <a:p>
+              <a:endParaRPr lang="es-ES" noProof="0" dirty="0"/>
+            </a:p>
+          </p:txBody>
         </p:sp>
         <p:sp>
           <p:nvSpPr>
-            <p:cNvPr name="TextBox 8" id="8"/>
-            <p:cNvSpPr txBox="true"/>
+            <p:cNvPr id="8" name="TextBox 8"/>
+            <p:cNvSpPr txBox="1"/>
             <p:nvPr/>
           </p:nvSpPr>
           <p:spPr>
             <a:xfrm>
-              <a:off x="0" y="-161925"/>
-              <a:ext cx="15555384" cy="1776942"/>
+              <a:off x="2102572" y="369489"/>
+              <a:ext cx="15555384" cy="1776941"/>
             </a:xfrm>
             <a:prstGeom prst="rect">
               <a:avLst/>
             </a:prstGeom>
           </p:spPr>
           <p:txBody>
-            <a:bodyPr anchor="t" rtlCol="false" tIns="0" lIns="0" bIns="0" rIns="0"/>
+            <a:bodyPr lIns="0" tIns="0" rIns="0" bIns="0" rtlCol="0" anchor="t"/>
             <a:lstStyle/>
             <a:p>
               <a:pPr algn="ctr">
@@ -3286,7 +3302,7 @@
                 </a:lnSpc>
               </a:pPr>
               <a:r>
-                <a:rPr lang="en-US" sz="6998" b="true">
+                <a:rPr lang="es-ES" sz="6998" b="1" noProof="0" dirty="0">
                   <a:solidFill>
                     <a:srgbClr val="000000"/>
                   </a:solidFill>
@@ -3303,13 +3319,13 @@
       </p:grpSp>
       <p:sp>
         <p:nvSpPr>
-          <p:cNvPr name="Freeform 9" id="9"/>
+          <p:cNvPr id="9" name="Freeform 9"/>
           <p:cNvSpPr/>
           <p:nvPr/>
         </p:nvSpPr>
         <p:spPr>
-          <a:xfrm flipH="false" flipV="false" rot="0">
-            <a:off x="3429000" y="1658938"/>
+          <a:xfrm>
+            <a:off x="4267200" y="1988496"/>
             <a:ext cx="12268200" cy="7018337"/>
           </a:xfrm>
           <a:custGeom>
@@ -3317,9 +3333,9 @@
             <a:gdLst/>
             <a:ahLst/>
             <a:cxnLst/>
-            <a:rect r="r" b="b" t="t" l="l"/>
+            <a:rect l="l" t="t" r="r" b="b"/>
             <a:pathLst>
-              <a:path h="7018337" w="12268200">
+              <a:path w="12268200" h="7018337">
                 <a:moveTo>
                   <a:pt x="0" y="0"/>
                 </a:moveTo>
@@ -3342,33 +3358,40 @@
           <a:blipFill>
             <a:blip r:embed="rId4"/>
             <a:stretch>
-              <a:fillRect l="0" t="0" r="-9" b="0"/>
+              <a:fillRect r="-9"/>
             </a:stretch>
           </a:blipFill>
         </p:spPr>
+        <p:txBody>
+          <a:bodyPr/>
+          <a:lstStyle/>
+          <a:p>
+            <a:endParaRPr lang="es-ES" noProof="0" dirty="0"/>
+          </a:p>
+        </p:txBody>
       </p:sp>
       <p:grpSp>
         <p:nvGrpSpPr>
-          <p:cNvPr name="Group 10" id="10"/>
+          <p:cNvPr id="10" name="Group 10"/>
           <p:cNvGrpSpPr/>
           <p:nvPr/>
         </p:nvGrpSpPr>
         <p:grpSpPr>
-          <a:xfrm rot="0">
-            <a:off x="5181600" y="8782050"/>
-            <a:ext cx="7402513" cy="1096963"/>
-            <a:chOff x="0" y="0"/>
-            <a:chExt cx="9870017" cy="1462617"/>
+          <a:xfrm>
+            <a:off x="5181600" y="8877300"/>
+            <a:ext cx="8229599" cy="963614"/>
+            <a:chOff x="0" y="-1237601"/>
+            <a:chExt cx="12308417" cy="2700218"/>
           </a:xfrm>
         </p:grpSpPr>
         <p:sp>
           <p:nvSpPr>
-            <p:cNvPr name="Freeform 11" id="11"/>
+            <p:cNvPr id="11" name="Freeform 11"/>
             <p:cNvSpPr/>
             <p:nvPr/>
           </p:nvSpPr>
           <p:spPr>
-            <a:xfrm flipH="false" flipV="false" rot="0">
+            <a:xfrm>
               <a:off x="0" y="0"/>
               <a:ext cx="9870018" cy="1462617"/>
             </a:xfrm>
@@ -3377,9 +3400,9 @@
               <a:gdLst/>
               <a:ahLst/>
               <a:cxnLst/>
-              <a:rect r="r" b="b" t="t" l="l"/>
+              <a:rect l="l" t="t" r="r" b="b"/>
               <a:pathLst>
-                <a:path h="1462617" w="9870018">
+                <a:path w="9870018" h="1462617">
                   <a:moveTo>
                     <a:pt x="0" y="0"/>
                   </a:moveTo>
@@ -3402,24 +3425,31 @@
               </a:srgbClr>
             </a:solidFill>
           </p:spPr>
+          <p:txBody>
+            <a:bodyPr/>
+            <a:lstStyle/>
+            <a:p>
+              <a:endParaRPr lang="es-ES" noProof="0" dirty="0"/>
+            </a:p>
+          </p:txBody>
         </p:sp>
         <p:sp>
           <p:nvSpPr>
-            <p:cNvPr name="TextBox 12" id="12"/>
-            <p:cNvSpPr txBox="true"/>
+            <p:cNvPr id="12" name="TextBox 12"/>
+            <p:cNvSpPr txBox="1"/>
             <p:nvPr/>
           </p:nvSpPr>
           <p:spPr>
             <a:xfrm>
-              <a:off x="0" y="-495300"/>
-              <a:ext cx="9870017" cy="1957917"/>
+              <a:off x="482681" y="-1237601"/>
+              <a:ext cx="11825736" cy="1957917"/>
             </a:xfrm>
             <a:prstGeom prst="rect">
               <a:avLst/>
             </a:prstGeom>
           </p:spPr>
           <p:txBody>
-            <a:bodyPr anchor="t" rtlCol="false" tIns="0" lIns="0" bIns="0" rIns="0"/>
+            <a:bodyPr lIns="0" tIns="0" rIns="0" bIns="0" rtlCol="0" anchor="t"/>
             <a:lstStyle/>
             <a:p>
               <a:pPr algn="ctr">
@@ -3428,7 +3458,7 @@
                 </a:lnSpc>
               </a:pPr>
               <a:r>
-                <a:rPr lang="en-US" sz="4000" b="true">
+                <a:rPr lang="es-ES" sz="4000" b="1" noProof="0">
                   <a:solidFill>
                     <a:srgbClr val="000000"/>
                   </a:solidFill>
@@ -3452,7 +3482,7 @@
 </file>
 
 <file path=ppt/slides/slide10.xml><?xml version="1.0" encoding="utf-8"?>
-<p:sld xmlns:p="http://schemas.openxmlformats.org/presentationml/2006/main" xmlns:a="http://schemas.openxmlformats.org/drawingml/2006/main" xmlns:r="http://schemas.openxmlformats.org/officeDocument/2006/relationships">
+<p:sld xmlns:a="http://schemas.openxmlformats.org/drawingml/2006/main" xmlns:r="http://schemas.openxmlformats.org/officeDocument/2006/relationships" xmlns:p="http://schemas.openxmlformats.org/presentationml/2006/main">
   <p:cSld>
     <p:spTree>
       <p:nvGrpSpPr>
@@ -3470,12 +3500,12 @@
       </p:grpSpPr>
       <p:grpSp>
         <p:nvGrpSpPr>
-          <p:cNvPr name="Group 2" id="2"/>
+          <p:cNvPr id="2" name="Group 2"/>
           <p:cNvGrpSpPr/>
           <p:nvPr/>
         </p:nvGrpSpPr>
         <p:grpSpPr>
-          <a:xfrm rot="0">
+          <a:xfrm>
             <a:off x="0" y="0"/>
             <a:ext cx="18288000" cy="10287000"/>
             <a:chOff x="0" y="0"/>
@@ -3484,12 +3514,12 @@
         </p:grpSpPr>
         <p:sp>
           <p:nvSpPr>
-            <p:cNvPr name="Freeform 3" id="3"/>
+            <p:cNvPr id="3" name="Freeform 3"/>
             <p:cNvSpPr/>
             <p:nvPr/>
           </p:nvSpPr>
           <p:spPr>
-            <a:xfrm flipH="false" flipV="false" rot="0">
+            <a:xfrm>
               <a:off x="0" y="0"/>
               <a:ext cx="24384000" cy="13716000"/>
             </a:xfrm>
@@ -3498,9 +3528,9 @@
               <a:gdLst/>
               <a:ahLst/>
               <a:cxnLst/>
-              <a:rect r="r" b="b" t="t" l="l"/>
+              <a:rect l="l" t="t" r="r" b="b"/>
               <a:pathLst>
-                <a:path h="13716000" w="24384000">
+                <a:path w="24384000" h="13716000">
                   <a:moveTo>
                     <a:pt x="0" y="0"/>
                   </a:moveTo>
@@ -3523,20 +3553,27 @@
             <a:blipFill>
               <a:blip r:embed="rId2"/>
               <a:stretch>
-                <a:fillRect l="-6250" t="0" r="-6250" b="0"/>
+                <a:fillRect l="-6250" r="-6250"/>
               </a:stretch>
             </a:blipFill>
           </p:spPr>
+          <p:txBody>
+            <a:bodyPr/>
+            <a:lstStyle/>
+            <a:p>
+              <a:endParaRPr lang="es-ES" noProof="0" dirty="0"/>
+            </a:p>
+          </p:txBody>
         </p:sp>
       </p:grpSp>
       <p:grpSp>
         <p:nvGrpSpPr>
-          <p:cNvPr name="Group 4" id="4"/>
+          <p:cNvPr id="4" name="Group 4"/>
           <p:cNvGrpSpPr/>
           <p:nvPr/>
         </p:nvGrpSpPr>
         <p:grpSpPr>
-          <a:xfrm rot="0">
+          <a:xfrm>
             <a:off x="14117229" y="9031616"/>
             <a:ext cx="3854777" cy="900353"/>
             <a:chOff x="0" y="0"/>
@@ -3545,12 +3582,12 @@
         </p:grpSpPr>
         <p:sp>
           <p:nvSpPr>
-            <p:cNvPr name="Freeform 5" id="5"/>
+            <p:cNvPr id="5" name="Freeform 5"/>
             <p:cNvSpPr/>
             <p:nvPr/>
           </p:nvSpPr>
           <p:spPr>
-            <a:xfrm flipH="false" flipV="false" rot="0">
+            <a:xfrm>
               <a:off x="0" y="0"/>
               <a:ext cx="5139690" cy="1200531"/>
             </a:xfrm>
@@ -3559,9 +3596,9 @@
               <a:gdLst/>
               <a:ahLst/>
               <a:cxnLst/>
-              <a:rect r="r" b="b" t="t" l="l"/>
+              <a:rect l="l" t="t" r="r" b="b"/>
               <a:pathLst>
-                <a:path h="1200531" w="5139690">
+                <a:path w="5139690" h="1200531">
                   <a:moveTo>
                     <a:pt x="0" y="0"/>
                   </a:moveTo>
@@ -3584,20 +3621,27 @@
             <a:blipFill>
               <a:blip r:embed="rId3"/>
               <a:stretch>
-                <a:fillRect l="0" t="-51210" r="0" b="-51205"/>
+                <a:fillRect t="-51210" b="-51205"/>
               </a:stretch>
             </a:blipFill>
           </p:spPr>
+          <p:txBody>
+            <a:bodyPr/>
+            <a:lstStyle/>
+            <a:p>
+              <a:endParaRPr lang="es-ES" noProof="0" dirty="0"/>
+            </a:p>
+          </p:txBody>
         </p:sp>
       </p:grpSp>
       <p:grpSp>
         <p:nvGrpSpPr>
-          <p:cNvPr name="Group 6" id="6"/>
+          <p:cNvPr id="6" name="Group 6"/>
           <p:cNvGrpSpPr/>
           <p:nvPr/>
         </p:nvGrpSpPr>
         <p:grpSpPr>
-          <a:xfrm rot="0">
+          <a:xfrm>
             <a:off x="3510593" y="1526254"/>
             <a:ext cx="14759994" cy="1249680"/>
             <a:chOff x="0" y="0"/>
@@ -3606,12 +3650,12 @@
         </p:grpSpPr>
         <p:sp>
           <p:nvSpPr>
-            <p:cNvPr name="Freeform 7" id="7"/>
+            <p:cNvPr id="7" name="Freeform 7"/>
             <p:cNvSpPr/>
             <p:nvPr/>
           </p:nvSpPr>
           <p:spPr>
-            <a:xfrm flipH="false" flipV="false" rot="0">
+            <a:xfrm>
               <a:off x="0" y="0"/>
               <a:ext cx="19679993" cy="1666240"/>
             </a:xfrm>
@@ -3620,9 +3664,9 @@
               <a:gdLst/>
               <a:ahLst/>
               <a:cxnLst/>
-              <a:rect r="r" b="b" t="t" l="l"/>
+              <a:rect l="l" t="t" r="r" b="b"/>
               <a:pathLst>
-                <a:path h="1666240" w="19679993">
+                <a:path w="19679993" h="1666240">
                   <a:moveTo>
                     <a:pt x="0" y="0"/>
                   </a:moveTo>
@@ -3645,11 +3689,18 @@
               </a:srgbClr>
             </a:solidFill>
           </p:spPr>
+          <p:txBody>
+            <a:bodyPr/>
+            <a:lstStyle/>
+            <a:p>
+              <a:endParaRPr lang="es-ES" noProof="0" dirty="0"/>
+            </a:p>
+          </p:txBody>
         </p:sp>
         <p:sp>
           <p:nvSpPr>
-            <p:cNvPr name="TextBox 8" id="8"/>
-            <p:cNvSpPr txBox="true"/>
+            <p:cNvPr id="8" name="TextBox 8"/>
+            <p:cNvSpPr txBox="1"/>
             <p:nvPr/>
           </p:nvSpPr>
           <p:spPr>
@@ -3662,7 +3713,7 @@
             </a:prstGeom>
           </p:spPr>
           <p:txBody>
-            <a:bodyPr anchor="t" rtlCol="false" tIns="0" lIns="0" bIns="0" rIns="0"/>
+            <a:bodyPr lIns="0" tIns="0" rIns="0" bIns="0" rtlCol="0" anchor="t"/>
             <a:lstStyle/>
             <a:p>
               <a:pPr algn="ctr">
@@ -3671,7 +3722,7 @@
                 </a:lnSpc>
               </a:pPr>
               <a:r>
-                <a:rPr lang="en-US" b="true" sz="6199" spc="-37">
+                <a:rPr lang="es-ES" sz="6199" b="1" spc="-37" noProof="0" dirty="0">
                   <a:solidFill>
                     <a:srgbClr val="000000"/>
                   </a:solidFill>
@@ -3680,19 +3731,7 @@
                   <a:cs typeface="TT Rounds Condensed Bold"/>
                   <a:sym typeface="TT Rounds Condensed Bold"/>
                 </a:rPr>
-                <a:t>5</a:t>
-              </a:r>
-              <a:r>
-                <a:rPr lang="en-US" b="true" sz="6199" spc="-37">
-                  <a:solidFill>
-                    <a:srgbClr val="000000"/>
-                  </a:solidFill>
-                  <a:latin typeface="TT Rounds Condensed Bold"/>
-                  <a:ea typeface="TT Rounds Condensed Bold"/>
-                  <a:cs typeface="TT Rounds Condensed Bold"/>
-                  <a:sym typeface="TT Rounds Condensed Bold"/>
-                </a:rPr>
-                <a:t>. get_features_cat_regression()</a:t>
+                <a:t>5. get_features_cat_regression()</a:t>
               </a:r>
             </a:p>
           </p:txBody>
@@ -3700,12 +3739,12 @@
       </p:grpSp>
       <p:sp>
         <p:nvSpPr>
-          <p:cNvPr name="Freeform 9" id="9"/>
+          <p:cNvPr id="9" name="Freeform 9"/>
           <p:cNvSpPr/>
           <p:nvPr/>
         </p:nvSpPr>
         <p:spPr>
-          <a:xfrm flipH="false" flipV="false" rot="0">
+          <a:xfrm>
             <a:off x="3510593" y="3280875"/>
             <a:ext cx="13763438" cy="4785374"/>
           </a:xfrm>
@@ -3714,9 +3753,9 @@
             <a:gdLst/>
             <a:ahLst/>
             <a:cxnLst/>
-            <a:rect r="r" b="b" t="t" l="l"/>
+            <a:rect l="l" t="t" r="r" b="b"/>
             <a:pathLst>
-              <a:path h="4785374" w="13763438">
+              <a:path w="13763438" h="4785374">
                 <a:moveTo>
                   <a:pt x="0" y="0"/>
                 </a:moveTo>
@@ -3739,10 +3778,17 @@
           <a:blipFill>
             <a:blip r:embed="rId4"/>
             <a:stretch>
-              <a:fillRect l="0" t="0" r="0" b="0"/>
+              <a:fillRect/>
             </a:stretch>
           </a:blipFill>
         </p:spPr>
+        <p:txBody>
+          <a:bodyPr/>
+          <a:lstStyle/>
+          <a:p>
+            <a:endParaRPr lang="es-ES" noProof="0" dirty="0"/>
+          </a:p>
+        </p:txBody>
       </p:sp>
     </p:spTree>
   </p:cSld>
@@ -3753,7 +3799,7 @@
 </file>
 
 <file path=ppt/slides/slide11.xml><?xml version="1.0" encoding="utf-8"?>
-<p:sld xmlns:p="http://schemas.openxmlformats.org/presentationml/2006/main" xmlns:a="http://schemas.openxmlformats.org/drawingml/2006/main" xmlns:r="http://schemas.openxmlformats.org/officeDocument/2006/relationships">
+<p:sld xmlns:a="http://schemas.openxmlformats.org/drawingml/2006/main" xmlns:r="http://schemas.openxmlformats.org/officeDocument/2006/relationships" xmlns:p="http://schemas.openxmlformats.org/presentationml/2006/main">
   <p:cSld>
     <p:spTree>
       <p:nvGrpSpPr>
@@ -3771,12 +3817,12 @@
       </p:grpSpPr>
       <p:grpSp>
         <p:nvGrpSpPr>
-          <p:cNvPr name="Group 2" id="2"/>
+          <p:cNvPr id="2" name="Group 2"/>
           <p:cNvGrpSpPr/>
           <p:nvPr/>
         </p:nvGrpSpPr>
         <p:grpSpPr>
-          <a:xfrm rot="0">
+          <a:xfrm>
             <a:off x="0" y="0"/>
             <a:ext cx="18288000" cy="10287000"/>
             <a:chOff x="0" y="0"/>
@@ -3785,12 +3831,12 @@
         </p:grpSpPr>
         <p:sp>
           <p:nvSpPr>
-            <p:cNvPr name="Freeform 3" id="3"/>
+            <p:cNvPr id="3" name="Freeform 3"/>
             <p:cNvSpPr/>
             <p:nvPr/>
           </p:nvSpPr>
           <p:spPr>
-            <a:xfrm flipH="false" flipV="false" rot="0">
+            <a:xfrm>
               <a:off x="0" y="0"/>
               <a:ext cx="24384000" cy="13716000"/>
             </a:xfrm>
@@ -3799,9 +3845,9 @@
               <a:gdLst/>
               <a:ahLst/>
               <a:cxnLst/>
-              <a:rect r="r" b="b" t="t" l="l"/>
+              <a:rect l="l" t="t" r="r" b="b"/>
               <a:pathLst>
-                <a:path h="13716000" w="24384000">
+                <a:path w="24384000" h="13716000">
                   <a:moveTo>
                     <a:pt x="0" y="0"/>
                   </a:moveTo>
@@ -3824,20 +3870,27 @@
             <a:blipFill>
               <a:blip r:embed="rId2"/>
               <a:stretch>
-                <a:fillRect l="-6250" t="0" r="-6250" b="0"/>
+                <a:fillRect l="-6250" r="-6250"/>
               </a:stretch>
             </a:blipFill>
           </p:spPr>
+          <p:txBody>
+            <a:bodyPr/>
+            <a:lstStyle/>
+            <a:p>
+              <a:endParaRPr lang="es-ES" noProof="0" dirty="0"/>
+            </a:p>
+          </p:txBody>
         </p:sp>
       </p:grpSp>
       <p:grpSp>
         <p:nvGrpSpPr>
-          <p:cNvPr name="Group 4" id="4"/>
+          <p:cNvPr id="4" name="Group 4"/>
           <p:cNvGrpSpPr/>
           <p:nvPr/>
         </p:nvGrpSpPr>
         <p:grpSpPr>
-          <a:xfrm rot="0">
+          <a:xfrm>
             <a:off x="14117229" y="9031616"/>
             <a:ext cx="3854777" cy="900353"/>
             <a:chOff x="0" y="0"/>
@@ -3846,12 +3899,12 @@
         </p:grpSpPr>
         <p:sp>
           <p:nvSpPr>
-            <p:cNvPr name="Freeform 5" id="5"/>
+            <p:cNvPr id="5" name="Freeform 5"/>
             <p:cNvSpPr/>
             <p:nvPr/>
           </p:nvSpPr>
           <p:spPr>
-            <a:xfrm flipH="false" flipV="false" rot="0">
+            <a:xfrm>
               <a:off x="0" y="0"/>
               <a:ext cx="5139690" cy="1200531"/>
             </a:xfrm>
@@ -3860,9 +3913,9 @@
               <a:gdLst/>
               <a:ahLst/>
               <a:cxnLst/>
-              <a:rect r="r" b="b" t="t" l="l"/>
+              <a:rect l="l" t="t" r="r" b="b"/>
               <a:pathLst>
-                <a:path h="1200531" w="5139690">
+                <a:path w="5139690" h="1200531">
                   <a:moveTo>
                     <a:pt x="0" y="0"/>
                   </a:moveTo>
@@ -3885,20 +3938,27 @@
             <a:blipFill>
               <a:blip r:embed="rId3"/>
               <a:stretch>
-                <a:fillRect l="0" t="-51210" r="0" b="-51205"/>
+                <a:fillRect t="-51210" b="-51205"/>
               </a:stretch>
             </a:blipFill>
           </p:spPr>
+          <p:txBody>
+            <a:bodyPr/>
+            <a:lstStyle/>
+            <a:p>
+              <a:endParaRPr lang="es-ES" noProof="0" dirty="0"/>
+            </a:p>
+          </p:txBody>
         </p:sp>
       </p:grpSp>
       <p:grpSp>
         <p:nvGrpSpPr>
-          <p:cNvPr name="Group 6" id="6"/>
+          <p:cNvPr id="6" name="Group 6"/>
           <p:cNvGrpSpPr/>
           <p:nvPr/>
         </p:nvGrpSpPr>
         <p:grpSpPr>
-          <a:xfrm rot="0">
+          <a:xfrm>
             <a:off x="4637006" y="621521"/>
             <a:ext cx="13335000" cy="1330706"/>
             <a:chOff x="0" y="0"/>
@@ -3907,12 +3967,12 @@
         </p:grpSpPr>
         <p:sp>
           <p:nvSpPr>
-            <p:cNvPr name="Freeform 7" id="7"/>
+            <p:cNvPr id="7" name="Freeform 7"/>
             <p:cNvSpPr/>
             <p:nvPr/>
           </p:nvSpPr>
           <p:spPr>
-            <a:xfrm flipH="false" flipV="false" rot="0">
+            <a:xfrm>
               <a:off x="0" y="0"/>
               <a:ext cx="17780000" cy="1774275"/>
             </a:xfrm>
@@ -3921,9 +3981,9 @@
               <a:gdLst/>
               <a:ahLst/>
               <a:cxnLst/>
-              <a:rect r="r" b="b" t="t" l="l"/>
+              <a:rect l="l" t="t" r="r" b="b"/>
               <a:pathLst>
-                <a:path h="1774275" w="17780000">
+                <a:path w="17780000" h="1774275">
                   <a:moveTo>
                     <a:pt x="0" y="0"/>
                   </a:moveTo>
@@ -3946,11 +4006,18 @@
               </a:srgbClr>
             </a:solidFill>
           </p:spPr>
+          <p:txBody>
+            <a:bodyPr/>
+            <a:lstStyle/>
+            <a:p>
+              <a:endParaRPr lang="es-ES" noProof="0" dirty="0"/>
+            </a:p>
+          </p:txBody>
         </p:sp>
         <p:sp>
           <p:nvSpPr>
-            <p:cNvPr name="TextBox 8" id="8"/>
-            <p:cNvSpPr txBox="true"/>
+            <p:cNvPr id="8" name="TextBox 8"/>
+            <p:cNvSpPr txBox="1"/>
             <p:nvPr/>
           </p:nvSpPr>
           <p:spPr>
@@ -3963,7 +4030,7 @@
             </a:prstGeom>
           </p:spPr>
           <p:txBody>
-            <a:bodyPr anchor="t" rtlCol="false" tIns="0" lIns="0" bIns="0" rIns="0"/>
+            <a:bodyPr lIns="0" tIns="0" rIns="0" bIns="0" rtlCol="0" anchor="t"/>
             <a:lstStyle/>
             <a:p>
               <a:pPr algn="ctr">
@@ -3972,7 +4039,7 @@
                 </a:lnSpc>
               </a:pPr>
               <a:r>
-                <a:rPr lang="en-US" b="true" sz="6600" spc="-40">
+                <a:rPr lang="es-ES" sz="6600" b="1" spc="-40" noProof="0" dirty="0">
                   <a:solidFill>
                     <a:srgbClr val="000000"/>
                   </a:solidFill>
@@ -3981,19 +4048,7 @@
                   <a:cs typeface="TT Rounds Condensed Bold"/>
                   <a:sym typeface="TT Rounds Condensed Bold"/>
                 </a:rPr>
-                <a:t>6</a:t>
-              </a:r>
-              <a:r>
-                <a:rPr lang="en-US" b="true" sz="6600" spc="-40">
-                  <a:solidFill>
-                    <a:srgbClr val="000000"/>
-                  </a:solidFill>
-                  <a:latin typeface="TT Rounds Condensed Bold"/>
-                  <a:ea typeface="TT Rounds Condensed Bold"/>
-                  <a:cs typeface="TT Rounds Condensed Bold"/>
-                  <a:sym typeface="TT Rounds Condensed Bold"/>
-                </a:rPr>
-                <a:t>. plot_features_cat_regression()</a:t>
+                <a:t>6. plot_features_cat_regression()</a:t>
               </a:r>
             </a:p>
           </p:txBody>
@@ -4001,12 +4056,12 @@
       </p:grpSp>
       <p:sp>
         <p:nvSpPr>
-          <p:cNvPr name="Freeform 9" id="9"/>
+          <p:cNvPr id="9" name="Freeform 9"/>
           <p:cNvSpPr/>
           <p:nvPr/>
         </p:nvSpPr>
         <p:spPr>
-          <a:xfrm flipH="false" flipV="false" rot="0">
+          <a:xfrm>
             <a:off x="4152098" y="2404590"/>
             <a:ext cx="10155255" cy="7644285"/>
           </a:xfrm>
@@ -4015,9 +4070,9 @@
             <a:gdLst/>
             <a:ahLst/>
             <a:cxnLst/>
-            <a:rect r="r" b="b" t="t" l="l"/>
+            <a:rect l="l" t="t" r="r" b="b"/>
             <a:pathLst>
-              <a:path h="7644285" w="10155255">
+              <a:path w="10155255" h="7644285">
                 <a:moveTo>
                   <a:pt x="0" y="0"/>
                 </a:moveTo>
@@ -4040,10 +4095,17 @@
           <a:blipFill>
             <a:blip r:embed="rId4"/>
             <a:stretch>
-              <a:fillRect l="0" t="0" r="0" b="0"/>
+              <a:fillRect/>
             </a:stretch>
           </a:blipFill>
         </p:spPr>
+        <p:txBody>
+          <a:bodyPr/>
+          <a:lstStyle/>
+          <a:p>
+            <a:endParaRPr lang="es-ES" noProof="0" dirty="0"/>
+          </a:p>
+        </p:txBody>
       </p:sp>
     </p:spTree>
   </p:cSld>
@@ -4054,7 +4116,7 @@
 </file>
 
 <file path=ppt/slides/slide2.xml><?xml version="1.0" encoding="utf-8"?>
-<p:sld xmlns:p="http://schemas.openxmlformats.org/presentationml/2006/main" xmlns:a="http://schemas.openxmlformats.org/drawingml/2006/main" xmlns:r="http://schemas.openxmlformats.org/officeDocument/2006/relationships">
+<p:sld xmlns:a="http://schemas.openxmlformats.org/drawingml/2006/main" xmlns:r="http://schemas.openxmlformats.org/officeDocument/2006/relationships" xmlns:p="http://schemas.openxmlformats.org/presentationml/2006/main">
   <p:cSld>
     <p:spTree>
       <p:nvGrpSpPr>
@@ -4072,12 +4134,12 @@
       </p:grpSpPr>
       <p:grpSp>
         <p:nvGrpSpPr>
-          <p:cNvPr name="Group 2" id="2"/>
+          <p:cNvPr id="2" name="Group 2"/>
           <p:cNvGrpSpPr/>
           <p:nvPr/>
         </p:nvGrpSpPr>
         <p:grpSpPr>
-          <a:xfrm rot="0">
+          <a:xfrm>
             <a:off x="0" y="0"/>
             <a:ext cx="18288000" cy="10287000"/>
             <a:chOff x="0" y="0"/>
@@ -4086,12 +4148,12 @@
         </p:grpSpPr>
         <p:sp>
           <p:nvSpPr>
-            <p:cNvPr name="Freeform 3" id="3"/>
+            <p:cNvPr id="3" name="Freeform 3"/>
             <p:cNvSpPr/>
             <p:nvPr/>
           </p:nvSpPr>
           <p:spPr>
-            <a:xfrm flipH="false" flipV="false" rot="0">
+            <a:xfrm>
               <a:off x="0" y="0"/>
               <a:ext cx="24384000" cy="13716000"/>
             </a:xfrm>
@@ -4100,9 +4162,9 @@
               <a:gdLst/>
               <a:ahLst/>
               <a:cxnLst/>
-              <a:rect r="r" b="b" t="t" l="l"/>
+              <a:rect l="l" t="t" r="r" b="b"/>
               <a:pathLst>
-                <a:path h="13716000" w="24384000">
+                <a:path w="24384000" h="13716000">
                   <a:moveTo>
                     <a:pt x="0" y="0"/>
                   </a:moveTo>
@@ -4125,20 +4187,27 @@
             <a:blipFill>
               <a:blip r:embed="rId2"/>
               <a:stretch>
-                <a:fillRect l="-6250" t="0" r="-6250" b="0"/>
+                <a:fillRect l="-6250" r="-6250"/>
               </a:stretch>
             </a:blipFill>
           </p:spPr>
+          <p:txBody>
+            <a:bodyPr/>
+            <a:lstStyle/>
+            <a:p>
+              <a:endParaRPr lang="es-ES" noProof="0" dirty="0"/>
+            </a:p>
+          </p:txBody>
         </p:sp>
       </p:grpSp>
       <p:grpSp>
         <p:nvGrpSpPr>
-          <p:cNvPr name="Group 4" id="4"/>
+          <p:cNvPr id="4" name="Group 4"/>
           <p:cNvGrpSpPr/>
           <p:nvPr/>
         </p:nvGrpSpPr>
         <p:grpSpPr>
-          <a:xfrm rot="0">
+          <a:xfrm>
             <a:off x="14117229" y="9031616"/>
             <a:ext cx="3854777" cy="900353"/>
             <a:chOff x="0" y="0"/>
@@ -4147,12 +4216,12 @@
         </p:grpSpPr>
         <p:sp>
           <p:nvSpPr>
-            <p:cNvPr name="Freeform 5" id="5"/>
+            <p:cNvPr id="5" name="Freeform 5"/>
             <p:cNvSpPr/>
             <p:nvPr/>
           </p:nvSpPr>
           <p:spPr>
-            <a:xfrm flipH="false" flipV="false" rot="0">
+            <a:xfrm>
               <a:off x="0" y="0"/>
               <a:ext cx="5139690" cy="1200531"/>
             </a:xfrm>
@@ -4161,9 +4230,9 @@
               <a:gdLst/>
               <a:ahLst/>
               <a:cxnLst/>
-              <a:rect r="r" b="b" t="t" l="l"/>
+              <a:rect l="l" t="t" r="r" b="b"/>
               <a:pathLst>
-                <a:path h="1200531" w="5139690">
+                <a:path w="5139690" h="1200531">
                   <a:moveTo>
                     <a:pt x="0" y="0"/>
                   </a:moveTo>
@@ -4186,20 +4255,27 @@
             <a:blipFill>
               <a:blip r:embed="rId3"/>
               <a:stretch>
-                <a:fillRect l="0" t="-51210" r="0" b="-51205"/>
+                <a:fillRect t="-51210" b="-51205"/>
               </a:stretch>
             </a:blipFill>
           </p:spPr>
+          <p:txBody>
+            <a:bodyPr/>
+            <a:lstStyle/>
+            <a:p>
+              <a:endParaRPr lang="es-ES" noProof="0" dirty="0"/>
+            </a:p>
+          </p:txBody>
         </p:sp>
       </p:grpSp>
       <p:grpSp>
         <p:nvGrpSpPr>
-          <p:cNvPr name="Group 6" id="6"/>
+          <p:cNvPr id="6" name="Group 6"/>
           <p:cNvGrpSpPr/>
           <p:nvPr/>
         </p:nvGrpSpPr>
         <p:grpSpPr>
-          <a:xfrm rot="0">
+          <a:xfrm>
             <a:off x="5071817" y="742950"/>
             <a:ext cx="11658600" cy="1211263"/>
             <a:chOff x="0" y="0"/>
@@ -4208,12 +4284,12 @@
         </p:grpSpPr>
         <p:sp>
           <p:nvSpPr>
-            <p:cNvPr name="Freeform 7" id="7"/>
+            <p:cNvPr id="7" name="Freeform 7"/>
             <p:cNvSpPr/>
             <p:nvPr/>
           </p:nvSpPr>
           <p:spPr>
-            <a:xfrm flipH="false" flipV="false" rot="0">
+            <a:xfrm>
               <a:off x="0" y="0"/>
               <a:ext cx="15544800" cy="1615017"/>
             </a:xfrm>
@@ -4222,9 +4298,9 @@
               <a:gdLst/>
               <a:ahLst/>
               <a:cxnLst/>
-              <a:rect r="r" b="b" t="t" l="l"/>
+              <a:rect l="l" t="t" r="r" b="b"/>
               <a:pathLst>
-                <a:path h="1615017" w="15544800">
+                <a:path w="15544800" h="1615017">
                   <a:moveTo>
                     <a:pt x="0" y="0"/>
                   </a:moveTo>
@@ -4247,11 +4323,18 @@
               </a:srgbClr>
             </a:solidFill>
           </p:spPr>
+          <p:txBody>
+            <a:bodyPr/>
+            <a:lstStyle/>
+            <a:p>
+              <a:endParaRPr lang="es-ES" noProof="0" dirty="0"/>
+            </a:p>
+          </p:txBody>
         </p:sp>
         <p:sp>
           <p:nvSpPr>
-            <p:cNvPr name="TextBox 8" id="8"/>
-            <p:cNvSpPr txBox="true"/>
+            <p:cNvPr id="8" name="TextBox 8"/>
+            <p:cNvSpPr txBox="1"/>
             <p:nvPr/>
           </p:nvSpPr>
           <p:spPr>
@@ -4264,7 +4347,7 @@
             </a:prstGeom>
           </p:spPr>
           <p:txBody>
-            <a:bodyPr anchor="t" rtlCol="false" tIns="0" lIns="0" bIns="0" rIns="0"/>
+            <a:bodyPr lIns="0" tIns="0" rIns="0" bIns="0" rtlCol="0" anchor="t"/>
             <a:lstStyle/>
             <a:p>
               <a:pPr algn="ctr">
@@ -4273,7 +4356,7 @@
                 </a:lnSpc>
               </a:pPr>
               <a:r>
-                <a:rPr lang="en-US" sz="6998" b="true">
+                <a:rPr lang="es-ES" sz="6998" b="1" noProof="0" dirty="0">
                   <a:solidFill>
                     <a:srgbClr val="000000"/>
                   </a:solidFill>
@@ -4290,12 +4373,12 @@
       </p:grpSp>
       <p:grpSp>
         <p:nvGrpSpPr>
-          <p:cNvPr name="Group 9" id="9"/>
+          <p:cNvPr id="9" name="Group 9"/>
           <p:cNvGrpSpPr/>
           <p:nvPr/>
         </p:nvGrpSpPr>
         <p:grpSpPr>
-          <a:xfrm rot="0">
+          <a:xfrm>
             <a:off x="3246372" y="3432783"/>
             <a:ext cx="14308203" cy="6201410"/>
             <a:chOff x="0" y="0"/>
@@ -4304,12 +4387,12 @@
         </p:grpSpPr>
         <p:sp>
           <p:nvSpPr>
-            <p:cNvPr name="Freeform 10" id="10"/>
+            <p:cNvPr id="10" name="Freeform 10"/>
             <p:cNvSpPr/>
             <p:nvPr/>
           </p:nvSpPr>
           <p:spPr>
-            <a:xfrm flipH="false" flipV="false" rot="0">
+            <a:xfrm>
               <a:off x="0" y="0"/>
               <a:ext cx="19077605" cy="8268546"/>
             </a:xfrm>
@@ -4318,9 +4401,9 @@
               <a:gdLst/>
               <a:ahLst/>
               <a:cxnLst/>
-              <a:rect r="r" b="b" t="t" l="l"/>
+              <a:rect l="l" t="t" r="r" b="b"/>
               <a:pathLst>
-                <a:path h="8268546" w="19077605">
+                <a:path w="19077605" h="8268546">
                   <a:moveTo>
                     <a:pt x="0" y="0"/>
                   </a:moveTo>
@@ -4343,11 +4426,18 @@
               </a:srgbClr>
             </a:solidFill>
           </p:spPr>
+          <p:txBody>
+            <a:bodyPr/>
+            <a:lstStyle/>
+            <a:p>
+              <a:endParaRPr lang="es-ES" noProof="0" dirty="0"/>
+            </a:p>
+          </p:txBody>
         </p:sp>
         <p:sp>
           <p:nvSpPr>
-            <p:cNvPr name="TextBox 11" id="11"/>
-            <p:cNvSpPr txBox="true"/>
+            <p:cNvPr id="11" name="TextBox 11"/>
+            <p:cNvSpPr txBox="1"/>
             <p:nvPr/>
           </p:nvSpPr>
           <p:spPr>
@@ -4360,7 +4450,7 @@
             </a:prstGeom>
           </p:spPr>
           <p:txBody>
-            <a:bodyPr anchor="t" rtlCol="false" tIns="0" lIns="0" bIns="0" rIns="0"/>
+            <a:bodyPr lIns="0" tIns="0" rIns="0" bIns="0" rtlCol="0" anchor="t"/>
             <a:lstStyle/>
             <a:p>
               <a:pPr algn="just">
@@ -4369,7 +4459,7 @@
                 </a:lnSpc>
               </a:pPr>
               <a:r>
-                <a:rPr lang="en-US" b="true" sz="3999" spc="-23">
+                <a:rPr lang="es-ES" sz="3999" b="1" spc="-23" noProof="0" dirty="0">
                   <a:solidFill>
                     <a:srgbClr val="000000"/>
                   </a:solidFill>
@@ -4381,7 +4471,7 @@
                 <a:t>Objetivo:</a:t>
               </a:r>
               <a:r>
-                <a:rPr lang="en-US" sz="3999" spc="-23">
+                <a:rPr lang="es-ES" sz="3999" spc="-23" noProof="0" dirty="0">
                   <a:solidFill>
                     <a:srgbClr val="000000"/>
                   </a:solidFill>
@@ -4399,6 +4489,15 @@
                   <a:spcPts val="4799"/>
                 </a:lnSpc>
               </a:pPr>
+              <a:endParaRPr lang="es-ES" sz="3999" spc="-23" noProof="0" dirty="0">
+                <a:solidFill>
+                  <a:srgbClr val="000000"/>
+                </a:solidFill>
+                <a:latin typeface="TT Rounds Condensed"/>
+                <a:ea typeface="TT Rounds Condensed"/>
+                <a:cs typeface="TT Rounds Condensed"/>
+                <a:sym typeface="TT Rounds Condensed"/>
+              </a:endParaRPr>
             </a:p>
             <a:p>
               <a:pPr algn="just">
@@ -4407,7 +4506,7 @@
                 </a:lnSpc>
               </a:pPr>
               <a:r>
-                <a:rPr lang="en-US" b="true" sz="3999" spc="-23">
+                <a:rPr lang="es-ES" sz="3999" b="1" spc="-23" noProof="0" dirty="0">
                   <a:solidFill>
                     <a:srgbClr val="000000"/>
                   </a:solidFill>
@@ -4419,7 +4518,7 @@
                 <a:t>Problema de negocio:</a:t>
               </a:r>
               <a:r>
-                <a:rPr lang="en-US" sz="3999" spc="-23">
+                <a:rPr lang="es-ES" sz="3999" spc="-23" noProof="0" dirty="0">
                   <a:solidFill>
                     <a:srgbClr val="000000"/>
                   </a:solidFill>
@@ -4428,19 +4527,7 @@
                   <a:cs typeface="TT Rounds Condensed"/>
                   <a:sym typeface="TT Rounds Condensed"/>
                 </a:rPr>
-                <a:t> Reducir significativamente el tiempo y los costos computacionales asociados al análisis, mejorando el flujo de trabajo en proyectos de </a:t>
-              </a:r>
-              <a:r>
-                <a:rPr lang="en-US" sz="3999" spc="-23">
-                  <a:solidFill>
-                    <a:srgbClr val="000000"/>
-                  </a:solidFill>
-                  <a:latin typeface="TT Rounds Condensed"/>
-                  <a:ea typeface="TT Rounds Condensed"/>
-                  <a:cs typeface="TT Rounds Condensed"/>
-                  <a:sym typeface="TT Rounds Condensed"/>
-                </a:rPr>
-                <a:t>Machine Learning.</a:t>
+                <a:t> Reducir significativamente el tiempo y los costos computacionales asociados al análisis, mejorando el flujo de trabajo en proyectos de Machine Learning.</a:t>
               </a:r>
             </a:p>
             <a:p>
@@ -4449,6 +4536,15 @@
                   <a:spcPts val="4799"/>
                 </a:lnSpc>
               </a:pPr>
+              <a:endParaRPr lang="es-ES" sz="3999" spc="-23" noProof="0" dirty="0">
+                <a:solidFill>
+                  <a:srgbClr val="000000"/>
+                </a:solidFill>
+                <a:latin typeface="TT Rounds Condensed"/>
+                <a:ea typeface="TT Rounds Condensed"/>
+                <a:cs typeface="TT Rounds Condensed"/>
+                <a:sym typeface="TT Rounds Condensed"/>
+              </a:endParaRPr>
             </a:p>
             <a:p>
               <a:pPr algn="just">
@@ -4456,6 +4552,15 @@
                   <a:spcPts val="4800"/>
                 </a:lnSpc>
               </a:pPr>
+              <a:endParaRPr lang="es-ES" sz="3999" spc="-23" noProof="0" dirty="0">
+                <a:solidFill>
+                  <a:srgbClr val="000000"/>
+                </a:solidFill>
+                <a:latin typeface="TT Rounds Condensed"/>
+                <a:ea typeface="TT Rounds Condensed"/>
+                <a:cs typeface="TT Rounds Condensed"/>
+                <a:sym typeface="TT Rounds Condensed"/>
+              </a:endParaRPr>
             </a:p>
           </p:txBody>
         </p:sp>
@@ -4469,7 +4574,7 @@
 </file>
 
 <file path=ppt/slides/slide3.xml><?xml version="1.0" encoding="utf-8"?>
-<p:sld xmlns:p="http://schemas.openxmlformats.org/presentationml/2006/main" xmlns:a="http://schemas.openxmlformats.org/drawingml/2006/main" xmlns:r="http://schemas.openxmlformats.org/officeDocument/2006/relationships">
+<p:sld xmlns:a="http://schemas.openxmlformats.org/drawingml/2006/main" xmlns:r="http://schemas.openxmlformats.org/officeDocument/2006/relationships" xmlns:p="http://schemas.openxmlformats.org/presentationml/2006/main">
   <p:cSld>
     <p:spTree>
       <p:nvGrpSpPr>
@@ -4487,12 +4592,12 @@
       </p:grpSpPr>
       <p:grpSp>
         <p:nvGrpSpPr>
-          <p:cNvPr name="Group 2" id="2"/>
+          <p:cNvPr id="2" name="Group 2"/>
           <p:cNvGrpSpPr/>
           <p:nvPr/>
         </p:nvGrpSpPr>
         <p:grpSpPr>
-          <a:xfrm rot="0">
+          <a:xfrm>
             <a:off x="-30997" y="-5812"/>
             <a:ext cx="18288000" cy="10287000"/>
             <a:chOff x="0" y="0"/>
@@ -4501,12 +4606,12 @@
         </p:grpSpPr>
         <p:sp>
           <p:nvSpPr>
-            <p:cNvPr name="Freeform 3" id="3"/>
+            <p:cNvPr id="3" name="Freeform 3"/>
             <p:cNvSpPr/>
             <p:nvPr/>
           </p:nvSpPr>
           <p:spPr>
-            <a:xfrm flipH="false" flipV="false" rot="0">
+            <a:xfrm>
               <a:off x="0" y="0"/>
               <a:ext cx="24384000" cy="13716000"/>
             </a:xfrm>
@@ -4515,9 +4620,9 @@
               <a:gdLst/>
               <a:ahLst/>
               <a:cxnLst/>
-              <a:rect r="r" b="b" t="t" l="l"/>
+              <a:rect l="l" t="t" r="r" b="b"/>
               <a:pathLst>
-                <a:path h="13716000" w="24384000">
+                <a:path w="24384000" h="13716000">
                   <a:moveTo>
                     <a:pt x="0" y="0"/>
                   </a:moveTo>
@@ -4540,20 +4645,27 @@
             <a:blipFill>
               <a:blip r:embed="rId2"/>
               <a:stretch>
-                <a:fillRect l="-6250" t="0" r="-6250" b="0"/>
+                <a:fillRect l="-6250" r="-6250"/>
               </a:stretch>
             </a:blipFill>
           </p:spPr>
+          <p:txBody>
+            <a:bodyPr/>
+            <a:lstStyle/>
+            <a:p>
+              <a:endParaRPr lang="es-ES" noProof="0" dirty="0"/>
+            </a:p>
+          </p:txBody>
         </p:sp>
       </p:grpSp>
       <p:grpSp>
         <p:nvGrpSpPr>
-          <p:cNvPr name="Group 4" id="4"/>
+          <p:cNvPr id="4" name="Group 4"/>
           <p:cNvGrpSpPr/>
           <p:nvPr/>
         </p:nvGrpSpPr>
         <p:grpSpPr>
-          <a:xfrm rot="0">
+          <a:xfrm>
             <a:off x="14117229" y="9031616"/>
             <a:ext cx="3854777" cy="900353"/>
             <a:chOff x="0" y="0"/>
@@ -4562,12 +4674,12 @@
         </p:grpSpPr>
         <p:sp>
           <p:nvSpPr>
-            <p:cNvPr name="Freeform 5" id="5"/>
+            <p:cNvPr id="5" name="Freeform 5"/>
             <p:cNvSpPr/>
             <p:nvPr/>
           </p:nvSpPr>
           <p:spPr>
-            <a:xfrm flipH="false" flipV="false" rot="0">
+            <a:xfrm>
               <a:off x="0" y="0"/>
               <a:ext cx="5139690" cy="1200531"/>
             </a:xfrm>
@@ -4576,9 +4688,9 @@
               <a:gdLst/>
               <a:ahLst/>
               <a:cxnLst/>
-              <a:rect r="r" b="b" t="t" l="l"/>
+              <a:rect l="l" t="t" r="r" b="b"/>
               <a:pathLst>
-                <a:path h="1200531" w="5139690">
+                <a:path w="5139690" h="1200531">
                   <a:moveTo>
                     <a:pt x="0" y="0"/>
                   </a:moveTo>
@@ -4601,20 +4713,27 @@
             <a:blipFill>
               <a:blip r:embed="rId3"/>
               <a:stretch>
-                <a:fillRect l="0" t="-51210" r="0" b="-51205"/>
+                <a:fillRect t="-51210" b="-51205"/>
               </a:stretch>
             </a:blipFill>
           </p:spPr>
+          <p:txBody>
+            <a:bodyPr/>
+            <a:lstStyle/>
+            <a:p>
+              <a:endParaRPr lang="es-ES" noProof="0" dirty="0"/>
+            </a:p>
+          </p:txBody>
         </p:sp>
       </p:grpSp>
       <p:grpSp>
         <p:nvGrpSpPr>
-          <p:cNvPr name="Group 6" id="6"/>
+          <p:cNvPr id="6" name="Group 6"/>
           <p:cNvGrpSpPr/>
           <p:nvPr/>
         </p:nvGrpSpPr>
         <p:grpSpPr>
-          <a:xfrm rot="0">
+          <a:xfrm>
             <a:off x="4786067" y="419100"/>
             <a:ext cx="11430000" cy="1211263"/>
             <a:chOff x="0" y="0"/>
@@ -4623,12 +4742,12 @@
         </p:grpSpPr>
         <p:sp>
           <p:nvSpPr>
-            <p:cNvPr name="Freeform 7" id="7"/>
+            <p:cNvPr id="7" name="Freeform 7"/>
             <p:cNvSpPr/>
             <p:nvPr/>
           </p:nvSpPr>
           <p:spPr>
-            <a:xfrm flipH="false" flipV="false" rot="0">
+            <a:xfrm>
               <a:off x="0" y="0"/>
               <a:ext cx="15240000" cy="1615017"/>
             </a:xfrm>
@@ -4637,9 +4756,9 @@
               <a:gdLst/>
               <a:ahLst/>
               <a:cxnLst/>
-              <a:rect r="r" b="b" t="t" l="l"/>
+              <a:rect l="l" t="t" r="r" b="b"/>
               <a:pathLst>
-                <a:path h="1615017" w="15240000">
+                <a:path w="15240000" h="1615017">
                   <a:moveTo>
                     <a:pt x="0" y="0"/>
                   </a:moveTo>
@@ -4662,11 +4781,18 @@
               </a:srgbClr>
             </a:solidFill>
           </p:spPr>
+          <p:txBody>
+            <a:bodyPr/>
+            <a:lstStyle/>
+            <a:p>
+              <a:endParaRPr lang="es-ES" noProof="0" dirty="0"/>
+            </a:p>
+          </p:txBody>
         </p:sp>
         <p:sp>
           <p:nvSpPr>
-            <p:cNvPr name="TextBox 8" id="8"/>
-            <p:cNvSpPr txBox="true"/>
+            <p:cNvPr id="8" name="TextBox 8"/>
+            <p:cNvSpPr txBox="1"/>
             <p:nvPr/>
           </p:nvSpPr>
           <p:spPr>
@@ -4679,7 +4805,7 @@
             </a:prstGeom>
           </p:spPr>
           <p:txBody>
-            <a:bodyPr anchor="t" rtlCol="false" tIns="0" lIns="0" bIns="0" rIns="0"/>
+            <a:bodyPr lIns="0" tIns="0" rIns="0" bIns="0" rtlCol="0" anchor="t"/>
             <a:lstStyle/>
             <a:p>
               <a:pPr algn="ctr">
@@ -4688,7 +4814,7 @@
                 </a:lnSpc>
               </a:pPr>
               <a:r>
-                <a:rPr lang="en-US" sz="6998" b="true">
+                <a:rPr lang="es-ES" sz="6998" b="1" noProof="0" dirty="0">
                   <a:solidFill>
                     <a:srgbClr val="000000"/>
                   </a:solidFill>
@@ -4705,12 +4831,12 @@
       </p:grpSp>
       <p:grpSp>
         <p:nvGrpSpPr>
-          <p:cNvPr name="Group 9" id="9"/>
+          <p:cNvPr id="9" name="Group 9"/>
           <p:cNvGrpSpPr/>
           <p:nvPr/>
         </p:nvGrpSpPr>
         <p:grpSpPr>
-          <a:xfrm rot="0">
+          <a:xfrm>
             <a:off x="1333500" y="4817544"/>
             <a:ext cx="16290010" cy="3029950"/>
             <a:chOff x="0" y="0"/>
@@ -4719,12 +4845,12 @@
         </p:grpSpPr>
         <p:sp>
           <p:nvSpPr>
-            <p:cNvPr name="Freeform 10" id="10"/>
+            <p:cNvPr id="10" name="Freeform 10"/>
             <p:cNvSpPr/>
             <p:nvPr/>
           </p:nvSpPr>
           <p:spPr>
-            <a:xfrm flipH="false" flipV="false" rot="0">
+            <a:xfrm>
               <a:off x="0" y="0"/>
               <a:ext cx="21720014" cy="4039934"/>
             </a:xfrm>
@@ -4733,9 +4859,9 @@
               <a:gdLst/>
               <a:ahLst/>
               <a:cxnLst/>
-              <a:rect r="r" b="b" t="t" l="l"/>
+              <a:rect l="l" t="t" r="r" b="b"/>
               <a:pathLst>
-                <a:path h="4039934" w="21720014">
+                <a:path w="21720014" h="4039934">
                   <a:moveTo>
                     <a:pt x="0" y="0"/>
                   </a:moveTo>
@@ -4758,11 +4884,18 @@
               </a:srgbClr>
             </a:solidFill>
           </p:spPr>
+          <p:txBody>
+            <a:bodyPr/>
+            <a:lstStyle/>
+            <a:p>
+              <a:endParaRPr lang="es-ES" noProof="0" dirty="0"/>
+            </a:p>
+          </p:txBody>
         </p:sp>
         <p:sp>
           <p:nvSpPr>
-            <p:cNvPr name="TextBox 11" id="11"/>
-            <p:cNvSpPr txBox="true"/>
+            <p:cNvPr id="11" name="TextBox 11"/>
+            <p:cNvSpPr txBox="1"/>
             <p:nvPr/>
           </p:nvSpPr>
           <p:spPr>
@@ -4775,7 +4908,7 @@
             </a:prstGeom>
           </p:spPr>
           <p:txBody>
-            <a:bodyPr anchor="t" rtlCol="false" tIns="0" lIns="0" bIns="0" rIns="0"/>
+            <a:bodyPr lIns="0" tIns="0" rIns="0" bIns="0" rtlCol="0" anchor="t"/>
             <a:lstStyle/>
             <a:p>
               <a:pPr algn="just">
@@ -4784,7 +4917,7 @@
                 </a:lnSpc>
               </a:pPr>
               <a:r>
-                <a:rPr lang="en-US" b="true" sz="5400" spc="-32">
+                <a:rPr lang="es-ES" sz="5400" b="1" spc="-32" noProof="0" dirty="0">
                   <a:solidFill>
                     <a:srgbClr val="000000"/>
                   </a:solidFill>
@@ -4803,7 +4936,7 @@
                 </a:lnSpc>
               </a:pPr>
               <a:r>
-                <a:rPr lang="en-US" sz="3200" spc="-19">
+                <a:rPr lang="es-ES" sz="3200" spc="-19" noProof="0" dirty="0">
                   <a:solidFill>
                     <a:srgbClr val="000000"/>
                   </a:solidFill>
@@ -4820,12 +4953,12 @@
       </p:grpSp>
       <p:grpSp>
         <p:nvGrpSpPr>
-          <p:cNvPr name="Group 12" id="12"/>
+          <p:cNvPr id="12" name="Group 12"/>
           <p:cNvGrpSpPr/>
           <p:nvPr/>
         </p:nvGrpSpPr>
         <p:grpSpPr>
-          <a:xfrm rot="0">
+          <a:xfrm>
             <a:off x="1371600" y="7300211"/>
             <a:ext cx="16290010" cy="2400657"/>
             <a:chOff x="0" y="0"/>
@@ -4834,12 +4967,12 @@
         </p:grpSpPr>
         <p:sp>
           <p:nvSpPr>
-            <p:cNvPr name="Freeform 13" id="13"/>
+            <p:cNvPr id="13" name="Freeform 13"/>
             <p:cNvSpPr/>
             <p:nvPr/>
           </p:nvSpPr>
           <p:spPr>
-            <a:xfrm flipH="false" flipV="false" rot="0">
+            <a:xfrm>
               <a:off x="0" y="0"/>
               <a:ext cx="21720014" cy="3200876"/>
             </a:xfrm>
@@ -4848,9 +4981,9 @@
               <a:gdLst/>
               <a:ahLst/>
               <a:cxnLst/>
-              <a:rect r="r" b="b" t="t" l="l"/>
+              <a:rect l="l" t="t" r="r" b="b"/>
               <a:pathLst>
-                <a:path h="3200876" w="21720014">
+                <a:path w="21720014" h="3200876">
                   <a:moveTo>
                     <a:pt x="0" y="0"/>
                   </a:moveTo>
@@ -4873,11 +5006,18 @@
               </a:srgbClr>
             </a:solidFill>
           </p:spPr>
+          <p:txBody>
+            <a:bodyPr/>
+            <a:lstStyle/>
+            <a:p>
+              <a:endParaRPr lang="es-ES" noProof="0" dirty="0"/>
+            </a:p>
+          </p:txBody>
         </p:sp>
         <p:sp>
           <p:nvSpPr>
-            <p:cNvPr name="TextBox 14" id="14"/>
-            <p:cNvSpPr txBox="true"/>
+            <p:cNvPr id="14" name="TextBox 14"/>
+            <p:cNvSpPr txBox="1"/>
             <p:nvPr/>
           </p:nvSpPr>
           <p:spPr>
@@ -4890,7 +5030,7 @@
             </a:prstGeom>
           </p:spPr>
           <p:txBody>
-            <a:bodyPr anchor="t" rtlCol="false" tIns="0" lIns="0" bIns="0" rIns="0"/>
+            <a:bodyPr lIns="0" tIns="0" rIns="0" bIns="0" rtlCol="0" anchor="t"/>
             <a:lstStyle/>
             <a:p>
               <a:pPr algn="l">
@@ -4899,7 +5039,7 @@
                 </a:lnSpc>
               </a:pPr>
               <a:r>
-                <a:rPr lang="en-US" b="true" sz="5400" spc="-32">
+                <a:rPr lang="es-ES" sz="5400" b="1" spc="-32" noProof="0" dirty="0">
                   <a:solidFill>
                     <a:srgbClr val="000000"/>
                   </a:solidFill>
@@ -4908,19 +5048,7 @@
                   <a:cs typeface="TT Rounds Condensed Bold"/>
                   <a:sym typeface="TT Rounds Condensed Bold"/>
                 </a:rPr>
-                <a:t>Lost_in_ML_ToolBox</a:t>
-              </a:r>
-              <a:r>
-                <a:rPr lang="en-US" b="true" sz="5400" spc="-32">
-                  <a:solidFill>
-                    <a:srgbClr val="000000"/>
-                  </a:solidFill>
-                  <a:latin typeface="TT Rounds Condensed Bold"/>
-                  <a:ea typeface="TT Rounds Condensed Bold"/>
-                  <a:cs typeface="TT Rounds Condensed Bold"/>
-                  <a:sym typeface="TT Rounds Condensed Bold"/>
-                </a:rPr>
-                <a:t>.ipynb: </a:t>
+                <a:t>Lost_in_ML_ToolBox.ipynb: </a:t>
               </a:r>
             </a:p>
             <a:p>
@@ -4930,7 +5058,7 @@
                 </a:lnSpc>
               </a:pPr>
               <a:r>
-                <a:rPr lang="en-US" sz="3200" spc="-19">
+                <a:rPr lang="es-ES" sz="3200" spc="-19" noProof="0" dirty="0">
                   <a:solidFill>
                     <a:srgbClr val="000000"/>
                   </a:solidFill>
@@ -4947,12 +5075,12 @@
       </p:grpSp>
       <p:grpSp>
         <p:nvGrpSpPr>
-          <p:cNvPr name="Group 15" id="15"/>
+          <p:cNvPr id="15" name="Group 15"/>
           <p:cNvGrpSpPr/>
           <p:nvPr/>
         </p:nvGrpSpPr>
         <p:grpSpPr>
-          <a:xfrm rot="0">
+          <a:xfrm>
             <a:off x="4284581" y="1887538"/>
             <a:ext cx="13716000" cy="2437035"/>
             <a:chOff x="0" y="0"/>
@@ -4961,12 +5089,12 @@
         </p:grpSpPr>
         <p:sp>
           <p:nvSpPr>
-            <p:cNvPr name="Freeform 16" id="16"/>
+            <p:cNvPr id="16" name="Freeform 16"/>
             <p:cNvSpPr/>
             <p:nvPr/>
           </p:nvSpPr>
           <p:spPr>
-            <a:xfrm flipH="false" flipV="false" rot="0">
+            <a:xfrm>
               <a:off x="0" y="0"/>
               <a:ext cx="18288000" cy="3249380"/>
             </a:xfrm>
@@ -4975,9 +5103,9 @@
               <a:gdLst/>
               <a:ahLst/>
               <a:cxnLst/>
-              <a:rect r="r" b="b" t="t" l="l"/>
+              <a:rect l="l" t="t" r="r" b="b"/>
               <a:pathLst>
-                <a:path h="3249380" w="18288000">
+                <a:path w="18288000" h="3249380">
                   <a:moveTo>
                     <a:pt x="0" y="0"/>
                   </a:moveTo>
@@ -5000,11 +5128,18 @@
               </a:srgbClr>
             </a:solidFill>
           </p:spPr>
+          <p:txBody>
+            <a:bodyPr/>
+            <a:lstStyle/>
+            <a:p>
+              <a:endParaRPr lang="es-ES" noProof="0" dirty="0"/>
+            </a:p>
+          </p:txBody>
         </p:sp>
         <p:sp>
           <p:nvSpPr>
-            <p:cNvPr name="TextBox 17" id="17"/>
-            <p:cNvSpPr txBox="true"/>
+            <p:cNvPr id="17" name="TextBox 17"/>
+            <p:cNvSpPr txBox="1"/>
             <p:nvPr/>
           </p:nvSpPr>
           <p:spPr>
@@ -5017,7 +5152,7 @@
             </a:prstGeom>
           </p:spPr>
           <p:txBody>
-            <a:bodyPr anchor="t" rtlCol="false" tIns="0" lIns="0" bIns="0" rIns="0"/>
+            <a:bodyPr lIns="0" tIns="0" rIns="0" bIns="0" rtlCol="0" anchor="t"/>
             <a:lstStyle/>
             <a:p>
               <a:pPr algn="l">
@@ -5026,7 +5161,7 @@
                 </a:lnSpc>
               </a:pPr>
               <a:r>
-                <a:rPr lang="en-US" b="true" sz="5400" spc="-32">
+                <a:rPr lang="es-ES" sz="5400" b="1" spc="-32" noProof="0" dirty="0">
                   <a:solidFill>
                     <a:srgbClr val="000000"/>
                   </a:solidFill>
@@ -5045,7 +5180,7 @@
                 </a:lnSpc>
               </a:pPr>
               <a:r>
-                <a:rPr lang="en-US" sz="3200" spc="-19">
+                <a:rPr lang="es-ES" sz="3200" spc="-19" noProof="0" dirty="0">
                   <a:solidFill>
                     <a:srgbClr val="000000"/>
                   </a:solidFill>
@@ -5057,7 +5192,7 @@
                 <a:t>El dataset utilizado para el ejemplo de Machine Learning es: </a:t>
               </a:r>
               <a:r>
-                <a:rPr lang="en-US" b="true" sz="3200" spc="-19">
+                <a:rPr lang="es-ES" sz="3200" b="1" spc="-19" noProof="0" dirty="0">
                   <a:solidFill>
                     <a:srgbClr val="569CD6"/>
                   </a:solidFill>
@@ -5076,7 +5211,7 @@
                 </a:lnSpc>
               </a:pPr>
               <a:r>
-                <a:rPr lang="en-US" sz="2900" spc="-17">
+                <a:rPr lang="es-ES" sz="2900" spc="-17" noProof="0" dirty="0">
                   <a:solidFill>
                     <a:srgbClr val="000000"/>
                   </a:solidFill>
@@ -5088,7 +5223,7 @@
                 <a:t>Fuente: </a:t>
               </a:r>
               <a:r>
-                <a:rPr lang="en-US" sz="2900" spc="-17" u="sng">
+                <a:rPr lang="es-ES" sz="2900" u="sng" spc="-17" noProof="0" dirty="0">
                   <a:solidFill>
                     <a:srgbClr val="0000FF"/>
                   </a:solidFill>
@@ -5113,7 +5248,7 @@
 </file>
 
 <file path=ppt/slides/slide4.xml><?xml version="1.0" encoding="utf-8"?>
-<p:sld xmlns:p="http://schemas.openxmlformats.org/presentationml/2006/main" xmlns:a="http://schemas.openxmlformats.org/drawingml/2006/main" xmlns:r="http://schemas.openxmlformats.org/officeDocument/2006/relationships">
+<p:sld xmlns:a="http://schemas.openxmlformats.org/drawingml/2006/main" xmlns:r="http://schemas.openxmlformats.org/officeDocument/2006/relationships" xmlns:p="http://schemas.openxmlformats.org/presentationml/2006/main">
   <p:cSld>
     <p:spTree>
       <p:nvGrpSpPr>
@@ -5131,12 +5266,12 @@
       </p:grpSpPr>
       <p:grpSp>
         <p:nvGrpSpPr>
-          <p:cNvPr name="Group 2" id="2"/>
+          <p:cNvPr id="2" name="Group 2"/>
           <p:cNvGrpSpPr/>
           <p:nvPr/>
         </p:nvGrpSpPr>
         <p:grpSpPr>
-          <a:xfrm rot="0">
+          <a:xfrm>
             <a:off x="0" y="0"/>
             <a:ext cx="18288000" cy="10287000"/>
             <a:chOff x="0" y="0"/>
@@ -5145,12 +5280,12 @@
         </p:grpSpPr>
         <p:sp>
           <p:nvSpPr>
-            <p:cNvPr name="Freeform 3" id="3"/>
+            <p:cNvPr id="3" name="Freeform 3"/>
             <p:cNvSpPr/>
             <p:nvPr/>
           </p:nvSpPr>
           <p:spPr>
-            <a:xfrm flipH="false" flipV="false" rot="0">
+            <a:xfrm>
               <a:off x="0" y="0"/>
               <a:ext cx="24384000" cy="13716000"/>
             </a:xfrm>
@@ -5159,9 +5294,9 @@
               <a:gdLst/>
               <a:ahLst/>
               <a:cxnLst/>
-              <a:rect r="r" b="b" t="t" l="l"/>
+              <a:rect l="l" t="t" r="r" b="b"/>
               <a:pathLst>
-                <a:path h="13716000" w="24384000">
+                <a:path w="24384000" h="13716000">
                   <a:moveTo>
                     <a:pt x="0" y="0"/>
                   </a:moveTo>
@@ -5184,20 +5319,27 @@
             <a:blipFill>
               <a:blip r:embed="rId2"/>
               <a:stretch>
-                <a:fillRect l="-6250" t="0" r="-6250" b="0"/>
+                <a:fillRect l="-6250" r="-6250"/>
               </a:stretch>
             </a:blipFill>
           </p:spPr>
+          <p:txBody>
+            <a:bodyPr/>
+            <a:lstStyle/>
+            <a:p>
+              <a:endParaRPr lang="es-ES" noProof="0" dirty="0"/>
+            </a:p>
+          </p:txBody>
         </p:sp>
       </p:grpSp>
       <p:grpSp>
         <p:nvGrpSpPr>
-          <p:cNvPr name="Group 4" id="4"/>
+          <p:cNvPr id="4" name="Group 4"/>
           <p:cNvGrpSpPr/>
           <p:nvPr/>
         </p:nvGrpSpPr>
         <p:grpSpPr>
-          <a:xfrm rot="0">
+          <a:xfrm>
             <a:off x="14117229" y="9031616"/>
             <a:ext cx="3854777" cy="900353"/>
             <a:chOff x="0" y="0"/>
@@ -5206,12 +5348,12 @@
         </p:grpSpPr>
         <p:sp>
           <p:nvSpPr>
-            <p:cNvPr name="Freeform 5" id="5"/>
+            <p:cNvPr id="5" name="Freeform 5"/>
             <p:cNvSpPr/>
             <p:nvPr/>
           </p:nvSpPr>
           <p:spPr>
-            <a:xfrm flipH="false" flipV="false" rot="0">
+            <a:xfrm>
               <a:off x="0" y="0"/>
               <a:ext cx="5139690" cy="1200531"/>
             </a:xfrm>
@@ -5220,9 +5362,9 @@
               <a:gdLst/>
               <a:ahLst/>
               <a:cxnLst/>
-              <a:rect r="r" b="b" t="t" l="l"/>
+              <a:rect l="l" t="t" r="r" b="b"/>
               <a:pathLst>
-                <a:path h="1200531" w="5139690">
+                <a:path w="5139690" h="1200531">
                   <a:moveTo>
                     <a:pt x="0" y="0"/>
                   </a:moveTo>
@@ -5245,34 +5387,41 @@
             <a:blipFill>
               <a:blip r:embed="rId3"/>
               <a:stretch>
-                <a:fillRect l="0" t="-51210" r="0" b="-51205"/>
+                <a:fillRect t="-51210" b="-51205"/>
               </a:stretch>
             </a:blipFill>
           </p:spPr>
+          <p:txBody>
+            <a:bodyPr/>
+            <a:lstStyle/>
+            <a:p>
+              <a:endParaRPr lang="es-ES" noProof="0" dirty="0"/>
+            </a:p>
+          </p:txBody>
         </p:sp>
       </p:grpSp>
       <p:grpSp>
         <p:nvGrpSpPr>
-          <p:cNvPr name="Group 6" id="6"/>
+          <p:cNvPr id="6" name="Group 6"/>
           <p:cNvGrpSpPr/>
           <p:nvPr/>
         </p:nvGrpSpPr>
         <p:grpSpPr>
-          <a:xfrm rot="0">
-            <a:off x="7221919" y="894075"/>
-            <a:ext cx="13335000" cy="1343001"/>
-            <a:chOff x="0" y="0"/>
-            <a:chExt cx="17780000" cy="1790668"/>
+          <a:xfrm>
+            <a:off x="6515978" y="825657"/>
+            <a:ext cx="8800222" cy="1306132"/>
+            <a:chOff x="-382585" y="-104776"/>
+            <a:chExt cx="18162585" cy="2000219"/>
           </a:xfrm>
         </p:grpSpPr>
         <p:sp>
           <p:nvSpPr>
-            <p:cNvPr name="Freeform 7" id="7"/>
+            <p:cNvPr id="7" name="Freeform 7"/>
             <p:cNvSpPr/>
             <p:nvPr/>
           </p:nvSpPr>
           <p:spPr>
-            <a:xfrm flipH="false" flipV="false" rot="0">
+            <a:xfrm>
               <a:off x="0" y="0"/>
               <a:ext cx="17780000" cy="1790668"/>
             </a:xfrm>
@@ -5281,9 +5430,9 @@
               <a:gdLst/>
               <a:ahLst/>
               <a:cxnLst/>
-              <a:rect r="r" b="b" t="t" l="l"/>
+              <a:rect l="l" t="t" r="r" b="b"/>
               <a:pathLst>
-                <a:path h="1790668" w="17780000">
+                <a:path w="17780000" h="1790668">
                   <a:moveTo>
                     <a:pt x="0" y="0"/>
                   </a:moveTo>
@@ -5306,24 +5455,31 @@
               </a:srgbClr>
             </a:solidFill>
           </p:spPr>
+          <p:txBody>
+            <a:bodyPr/>
+            <a:lstStyle/>
+            <a:p>
+              <a:endParaRPr lang="es-ES" noProof="0" dirty="0"/>
+            </a:p>
+          </p:txBody>
         </p:sp>
         <p:sp>
           <p:nvSpPr>
-            <p:cNvPr name="TextBox 8" id="8"/>
-            <p:cNvSpPr txBox="true"/>
+            <p:cNvPr id="8" name="TextBox 8"/>
+            <p:cNvSpPr txBox="1"/>
             <p:nvPr/>
           </p:nvSpPr>
           <p:spPr>
             <a:xfrm>
-              <a:off x="0" y="-209550"/>
-              <a:ext cx="17780000" cy="2000218"/>
+              <a:off x="-382585" y="-104776"/>
+              <a:ext cx="13693226" cy="2000219"/>
             </a:xfrm>
             <a:prstGeom prst="rect">
               <a:avLst/>
             </a:prstGeom>
           </p:spPr>
           <p:txBody>
-            <a:bodyPr anchor="t" rtlCol="false" tIns="0" lIns="0" bIns="0" rIns="0"/>
+            <a:bodyPr lIns="0" tIns="0" rIns="0" bIns="0" rtlCol="0" anchor="t"/>
             <a:lstStyle/>
             <a:p>
               <a:pPr algn="l">
@@ -5332,7 +5488,7 @@
                 </a:lnSpc>
               </a:pPr>
               <a:r>
-                <a:rPr lang="en-US" sz="6600" b="true">
+                <a:rPr lang="es-ES" sz="6600" b="1" noProof="0" dirty="0">
                   <a:solidFill>
                     <a:srgbClr val="000000"/>
                   </a:solidFill>
@@ -5349,12 +5505,12 @@
       </p:grpSp>
       <p:grpSp>
         <p:nvGrpSpPr>
-          <p:cNvPr name="Group 9" id="9"/>
+          <p:cNvPr id="9" name="Group 9"/>
           <p:cNvGrpSpPr/>
           <p:nvPr/>
         </p:nvGrpSpPr>
         <p:grpSpPr>
-          <a:xfrm rot="0">
+          <a:xfrm>
             <a:off x="4865606" y="2447317"/>
             <a:ext cx="13106400" cy="584775"/>
             <a:chOff x="0" y="0"/>
@@ -5363,12 +5519,12 @@
         </p:grpSpPr>
         <p:sp>
           <p:nvSpPr>
-            <p:cNvPr name="Freeform 10" id="10"/>
+            <p:cNvPr id="10" name="Freeform 10"/>
             <p:cNvSpPr/>
             <p:nvPr/>
           </p:nvSpPr>
           <p:spPr>
-            <a:xfrm flipH="false" flipV="false" rot="0">
+            <a:xfrm>
               <a:off x="0" y="0"/>
               <a:ext cx="17475200" cy="779700"/>
             </a:xfrm>
@@ -5377,9 +5533,9 @@
               <a:gdLst/>
               <a:ahLst/>
               <a:cxnLst/>
-              <a:rect r="r" b="b" t="t" l="l"/>
+              <a:rect l="l" t="t" r="r" b="b"/>
               <a:pathLst>
-                <a:path h="779700" w="17475200">
+                <a:path w="17475200" h="779700">
                   <a:moveTo>
                     <a:pt x="0" y="0"/>
                   </a:moveTo>
@@ -5402,11 +5558,18 @@
               </a:srgbClr>
             </a:solidFill>
           </p:spPr>
+          <p:txBody>
+            <a:bodyPr/>
+            <a:lstStyle/>
+            <a:p>
+              <a:endParaRPr lang="es-ES" noProof="0" dirty="0"/>
+            </a:p>
+          </p:txBody>
         </p:sp>
         <p:sp>
           <p:nvSpPr>
-            <p:cNvPr name="TextBox 11" id="11"/>
-            <p:cNvSpPr txBox="true"/>
+            <p:cNvPr id="11" name="TextBox 11"/>
+            <p:cNvSpPr txBox="1"/>
             <p:nvPr/>
           </p:nvSpPr>
           <p:spPr>
@@ -5419,7 +5582,7 @@
             </a:prstGeom>
           </p:spPr>
           <p:txBody>
-            <a:bodyPr anchor="t" rtlCol="false" tIns="0" lIns="0" bIns="0" rIns="0"/>
+            <a:bodyPr lIns="0" tIns="0" rIns="0" bIns="0" rtlCol="0" anchor="t"/>
             <a:lstStyle/>
             <a:p>
               <a:pPr algn="l">
@@ -5428,7 +5591,7 @@
                 </a:lnSpc>
               </a:pPr>
               <a:r>
-                <a:rPr lang="en-US" sz="3200" spc="-19">
+                <a:rPr lang="es-ES" sz="3200" spc="-19" noProof="0" dirty="0">
                   <a:solidFill>
                     <a:srgbClr val="000000"/>
                   </a:solidFill>
@@ -5445,12 +5608,12 @@
       </p:grpSp>
       <p:sp>
         <p:nvSpPr>
-          <p:cNvPr name="Freeform 12" id="12"/>
+          <p:cNvPr id="12" name="Freeform 12"/>
           <p:cNvSpPr/>
           <p:nvPr/>
         </p:nvSpPr>
         <p:spPr>
-          <a:xfrm flipH="false" flipV="false" rot="0">
+          <a:xfrm>
             <a:off x="2790264" y="3868285"/>
             <a:ext cx="14086137" cy="3158591"/>
           </a:xfrm>
@@ -5459,9 +5622,9 @@
             <a:gdLst/>
             <a:ahLst/>
             <a:cxnLst/>
-            <a:rect r="r" b="b" t="t" l="l"/>
+            <a:rect l="l" t="t" r="r" b="b"/>
             <a:pathLst>
-              <a:path h="3158591" w="14086137">
+              <a:path w="14086137" h="3158591">
                 <a:moveTo>
                   <a:pt x="0" y="0"/>
                 </a:moveTo>
@@ -5484,19 +5647,26 @@
           <a:blipFill>
             <a:blip r:embed="rId4"/>
             <a:stretch>
-              <a:fillRect l="0" t="0" r="0" b="0"/>
+              <a:fillRect/>
             </a:stretch>
           </a:blipFill>
         </p:spPr>
+        <p:txBody>
+          <a:bodyPr/>
+          <a:lstStyle/>
+          <a:p>
+            <a:endParaRPr lang="es-ES" noProof="0" dirty="0"/>
+          </a:p>
+        </p:txBody>
       </p:sp>
       <p:sp>
         <p:nvSpPr>
-          <p:cNvPr name="TextBox 13" id="13"/>
-          <p:cNvSpPr txBox="true"/>
+          <p:cNvPr id="13" name="TextBox 13"/>
+          <p:cNvSpPr txBox="1"/>
           <p:nvPr/>
         </p:nvSpPr>
         <p:spPr>
-          <a:xfrm rot="0">
+          <a:xfrm>
             <a:off x="17164050" y="4749650"/>
             <a:ext cx="481679" cy="1167260"/>
           </a:xfrm>
@@ -5505,7 +5675,7 @@
           </a:prstGeom>
         </p:spPr>
         <p:txBody>
-          <a:bodyPr anchor="t" rtlCol="false" tIns="0" lIns="0" bIns="0" rIns="0">
+          <a:bodyPr lIns="0" tIns="0" rIns="0" bIns="0" rtlCol="0" anchor="t">
             <a:spAutoFit/>
           </a:bodyPr>
           <a:lstStyle/>
@@ -5519,7 +5689,7 @@
               </a:spcBef>
             </a:pPr>
             <a:r>
-              <a:rPr lang="en-US" b="true" sz="6200" spc="-37">
+              <a:rPr lang="es-ES" sz="6200" b="1" spc="-37" noProof="0" dirty="0">
                 <a:solidFill>
                   <a:srgbClr val="000000"/>
                 </a:solidFill>
@@ -5542,7 +5712,7 @@
 </file>
 
 <file path=ppt/slides/slide5.xml><?xml version="1.0" encoding="utf-8"?>
-<p:sld xmlns:p="http://schemas.openxmlformats.org/presentationml/2006/main" xmlns:a="http://schemas.openxmlformats.org/drawingml/2006/main" xmlns:r="http://schemas.openxmlformats.org/officeDocument/2006/relationships">
+<p:sld xmlns:a="http://schemas.openxmlformats.org/drawingml/2006/main" xmlns:r="http://schemas.openxmlformats.org/officeDocument/2006/relationships" xmlns:p="http://schemas.openxmlformats.org/presentationml/2006/main">
   <p:cSld>
     <p:spTree>
       <p:nvGrpSpPr>
@@ -5560,12 +5730,12 @@
       </p:grpSpPr>
       <p:grpSp>
         <p:nvGrpSpPr>
-          <p:cNvPr name="Group 2" id="2"/>
+          <p:cNvPr id="2" name="Group 2"/>
           <p:cNvGrpSpPr/>
           <p:nvPr/>
         </p:nvGrpSpPr>
         <p:grpSpPr>
-          <a:xfrm rot="0">
+          <a:xfrm>
             <a:off x="0" y="0"/>
             <a:ext cx="18288000" cy="10287000"/>
             <a:chOff x="0" y="0"/>
@@ -5574,12 +5744,12 @@
         </p:grpSpPr>
         <p:sp>
           <p:nvSpPr>
-            <p:cNvPr name="Freeform 3" id="3"/>
+            <p:cNvPr id="3" name="Freeform 3"/>
             <p:cNvSpPr/>
             <p:nvPr/>
           </p:nvSpPr>
           <p:spPr>
-            <a:xfrm flipH="false" flipV="false" rot="0">
+            <a:xfrm>
               <a:off x="0" y="0"/>
               <a:ext cx="24384000" cy="13716000"/>
             </a:xfrm>
@@ -5588,9 +5758,9 @@
               <a:gdLst/>
               <a:ahLst/>
               <a:cxnLst/>
-              <a:rect r="r" b="b" t="t" l="l"/>
+              <a:rect l="l" t="t" r="r" b="b"/>
               <a:pathLst>
-                <a:path h="13716000" w="24384000">
+                <a:path w="24384000" h="13716000">
                   <a:moveTo>
                     <a:pt x="0" y="0"/>
                   </a:moveTo>
@@ -5613,20 +5783,27 @@
             <a:blipFill>
               <a:blip r:embed="rId2"/>
               <a:stretch>
-                <a:fillRect l="-6250" t="0" r="-6250" b="0"/>
+                <a:fillRect l="-6250" r="-6250"/>
               </a:stretch>
             </a:blipFill>
           </p:spPr>
+          <p:txBody>
+            <a:bodyPr/>
+            <a:lstStyle/>
+            <a:p>
+              <a:endParaRPr lang="es-ES" noProof="0" dirty="0"/>
+            </a:p>
+          </p:txBody>
         </p:sp>
       </p:grpSp>
       <p:grpSp>
         <p:nvGrpSpPr>
-          <p:cNvPr name="Group 4" id="4"/>
+          <p:cNvPr id="4" name="Group 4"/>
           <p:cNvGrpSpPr/>
           <p:nvPr/>
         </p:nvGrpSpPr>
         <p:grpSpPr>
-          <a:xfrm rot="0">
+          <a:xfrm>
             <a:off x="14117229" y="9031616"/>
             <a:ext cx="3854777" cy="900353"/>
             <a:chOff x="0" y="0"/>
@@ -5635,12 +5812,12 @@
         </p:grpSpPr>
         <p:sp>
           <p:nvSpPr>
-            <p:cNvPr name="Freeform 5" id="5"/>
+            <p:cNvPr id="5" name="Freeform 5"/>
             <p:cNvSpPr/>
             <p:nvPr/>
           </p:nvSpPr>
           <p:spPr>
-            <a:xfrm flipH="false" flipV="false" rot="0">
+            <a:xfrm>
               <a:off x="0" y="0"/>
               <a:ext cx="5139690" cy="1200531"/>
             </a:xfrm>
@@ -5649,9 +5826,9 @@
               <a:gdLst/>
               <a:ahLst/>
               <a:cxnLst/>
-              <a:rect r="r" b="b" t="t" l="l"/>
+              <a:rect l="l" t="t" r="r" b="b"/>
               <a:pathLst>
-                <a:path h="1200531" w="5139690">
+                <a:path w="5139690" h="1200531">
                   <a:moveTo>
                     <a:pt x="0" y="0"/>
                   </a:moveTo>
@@ -5674,34 +5851,41 @@
             <a:blipFill>
               <a:blip r:embed="rId3"/>
               <a:stretch>
-                <a:fillRect l="0" t="-51210" r="0" b="-51205"/>
+                <a:fillRect t="-51210" b="-51205"/>
               </a:stretch>
             </a:blipFill>
           </p:spPr>
+          <p:txBody>
+            <a:bodyPr/>
+            <a:lstStyle/>
+            <a:p>
+              <a:endParaRPr lang="es-ES" noProof="0" dirty="0"/>
+            </a:p>
+          </p:txBody>
         </p:sp>
       </p:grpSp>
       <p:grpSp>
         <p:nvGrpSpPr>
-          <p:cNvPr name="Group 6" id="6"/>
+          <p:cNvPr id="6" name="Group 6"/>
           <p:cNvGrpSpPr/>
           <p:nvPr/>
         </p:nvGrpSpPr>
         <p:grpSpPr>
-          <a:xfrm rot="0">
-            <a:off x="7449729" y="601687"/>
-            <a:ext cx="13335000" cy="1343001"/>
+          <a:xfrm>
+            <a:off x="7850468" y="624438"/>
+            <a:ext cx="8211729" cy="1343001"/>
             <a:chOff x="0" y="0"/>
             <a:chExt cx="17780000" cy="1790668"/>
           </a:xfrm>
         </p:grpSpPr>
         <p:sp>
           <p:nvSpPr>
-            <p:cNvPr name="Freeform 7" id="7"/>
+            <p:cNvPr id="7" name="Freeform 7"/>
             <p:cNvSpPr/>
             <p:nvPr/>
           </p:nvSpPr>
           <p:spPr>
-            <a:xfrm flipH="false" flipV="false" rot="0">
+            <a:xfrm>
               <a:off x="0" y="0"/>
               <a:ext cx="17780000" cy="1790668"/>
             </a:xfrm>
@@ -5710,9 +5894,9 @@
               <a:gdLst/>
               <a:ahLst/>
               <a:cxnLst/>
-              <a:rect r="r" b="b" t="t" l="l"/>
+              <a:rect l="l" t="t" r="r" b="b"/>
               <a:pathLst>
-                <a:path h="1790668" w="17780000">
+                <a:path w="17780000" h="1790668">
                   <a:moveTo>
                     <a:pt x="0" y="0"/>
                   </a:moveTo>
@@ -5735,11 +5919,18 @@
               </a:srgbClr>
             </a:solidFill>
           </p:spPr>
+          <p:txBody>
+            <a:bodyPr/>
+            <a:lstStyle/>
+            <a:p>
+              <a:endParaRPr lang="es-ES" noProof="0" dirty="0"/>
+            </a:p>
+          </p:txBody>
         </p:sp>
         <p:sp>
           <p:nvSpPr>
-            <p:cNvPr name="TextBox 8" id="8"/>
-            <p:cNvSpPr txBox="true"/>
+            <p:cNvPr id="8" name="TextBox 8"/>
+            <p:cNvSpPr txBox="1"/>
             <p:nvPr/>
           </p:nvSpPr>
           <p:spPr>
@@ -5752,7 +5943,7 @@
             </a:prstGeom>
           </p:spPr>
           <p:txBody>
-            <a:bodyPr anchor="t" rtlCol="false" tIns="0" lIns="0" bIns="0" rIns="0"/>
+            <a:bodyPr lIns="0" tIns="0" rIns="0" bIns="0" rtlCol="0" anchor="t"/>
             <a:lstStyle/>
             <a:p>
               <a:pPr algn="l">
@@ -5761,7 +5952,7 @@
                 </a:lnSpc>
               </a:pPr>
               <a:r>
-                <a:rPr lang="en-US" sz="6600" b="true">
+                <a:rPr lang="es-ES" sz="6600" b="1" noProof="0" dirty="0">
                   <a:solidFill>
                     <a:srgbClr val="000000"/>
                   </a:solidFill>
@@ -5778,12 +5969,12 @@
       </p:grpSp>
       <p:grpSp>
         <p:nvGrpSpPr>
-          <p:cNvPr name="Group 9" id="9"/>
+          <p:cNvPr id="9" name="Group 9"/>
           <p:cNvGrpSpPr/>
           <p:nvPr/>
         </p:nvGrpSpPr>
         <p:grpSpPr>
-          <a:xfrm rot="0">
+          <a:xfrm>
             <a:off x="4114800" y="1944688"/>
             <a:ext cx="13106400" cy="1828927"/>
             <a:chOff x="0" y="0"/>
@@ -5792,12 +5983,12 @@
         </p:grpSpPr>
         <p:sp>
           <p:nvSpPr>
-            <p:cNvPr name="Freeform 10" id="10"/>
+            <p:cNvPr id="10" name="Freeform 10"/>
             <p:cNvSpPr/>
             <p:nvPr/>
           </p:nvSpPr>
           <p:spPr>
-            <a:xfrm flipH="false" flipV="false" rot="0">
+            <a:xfrm>
               <a:off x="0" y="0"/>
               <a:ext cx="17475200" cy="2438569"/>
             </a:xfrm>
@@ -5806,9 +5997,9 @@
               <a:gdLst/>
               <a:ahLst/>
               <a:cxnLst/>
-              <a:rect r="r" b="b" t="t" l="l"/>
+              <a:rect l="l" t="t" r="r" b="b"/>
               <a:pathLst>
-                <a:path h="2438569" w="17475200">
+                <a:path w="17475200" h="2438569">
                   <a:moveTo>
                     <a:pt x="0" y="0"/>
                   </a:moveTo>
@@ -5831,11 +6022,18 @@
               </a:srgbClr>
             </a:solidFill>
           </p:spPr>
+          <p:txBody>
+            <a:bodyPr/>
+            <a:lstStyle/>
+            <a:p>
+              <a:endParaRPr lang="es-ES" noProof="0" dirty="0"/>
+            </a:p>
+          </p:txBody>
         </p:sp>
         <p:sp>
           <p:nvSpPr>
-            <p:cNvPr name="TextBox 11" id="11"/>
-            <p:cNvSpPr txBox="true"/>
+            <p:cNvPr id="11" name="TextBox 11"/>
+            <p:cNvSpPr txBox="1"/>
             <p:nvPr/>
           </p:nvSpPr>
           <p:spPr>
@@ -5848,7 +6046,7 @@
             </a:prstGeom>
           </p:spPr>
           <p:txBody>
-            <a:bodyPr anchor="t" rtlCol="false" tIns="0" lIns="0" bIns="0" rIns="0"/>
+            <a:bodyPr lIns="0" tIns="0" rIns="0" bIns="0" rtlCol="0" anchor="t"/>
             <a:lstStyle/>
             <a:p>
               <a:pPr algn="just">
@@ -5857,7 +6055,7 @@
                 </a:lnSpc>
               </a:pPr>
               <a:r>
-                <a:rPr lang="en-US" b="true" sz="4400" spc="-26">
+                <a:rPr lang="es-ES" sz="4400" b="1" spc="-26" noProof="0" dirty="0">
                   <a:solidFill>
                     <a:srgbClr val="000000"/>
                   </a:solidFill>
@@ -5876,7 +6074,7 @@
                 </a:lnSpc>
               </a:pPr>
               <a:r>
-                <a:rPr lang="en-US" sz="3200" spc="-19">
+                <a:rPr lang="es-ES" sz="3200" spc="-19" noProof="0" dirty="0">
                   <a:solidFill>
                     <a:srgbClr val="000000"/>
                   </a:solidFill>
@@ -5893,12 +6091,12 @@
       </p:grpSp>
       <p:sp>
         <p:nvSpPr>
-          <p:cNvPr name="Freeform 12" id="12"/>
+          <p:cNvPr id="12" name="Freeform 12"/>
           <p:cNvSpPr/>
           <p:nvPr/>
         </p:nvSpPr>
         <p:spPr>
-          <a:xfrm flipH="false" flipV="false" rot="0">
+          <a:xfrm>
             <a:off x="902512" y="3727510"/>
             <a:ext cx="13178554" cy="6292790"/>
           </a:xfrm>
@@ -5907,9 +6105,9 @@
             <a:gdLst/>
             <a:ahLst/>
             <a:cxnLst/>
-            <a:rect r="r" b="b" t="t" l="l"/>
+            <a:rect l="l" t="t" r="r" b="b"/>
             <a:pathLst>
-              <a:path h="6292790" w="13178554">
+              <a:path w="13178554" h="6292790">
                 <a:moveTo>
                   <a:pt x="0" y="0"/>
                 </a:moveTo>
@@ -5932,10 +6130,17 @@
           <a:blipFill>
             <a:blip r:embed="rId4"/>
             <a:stretch>
-              <a:fillRect l="0" t="0" r="0" b="0"/>
+              <a:fillRect/>
             </a:stretch>
           </a:blipFill>
         </p:spPr>
+        <p:txBody>
+          <a:bodyPr/>
+          <a:lstStyle/>
+          <a:p>
+            <a:endParaRPr lang="es-ES" noProof="0" dirty="0"/>
+          </a:p>
+        </p:txBody>
       </p:sp>
     </p:spTree>
   </p:cSld>
@@ -5946,7 +6151,7 @@
 </file>
 
 <file path=ppt/slides/slide6.xml><?xml version="1.0" encoding="utf-8"?>
-<p:sld xmlns:p="http://schemas.openxmlformats.org/presentationml/2006/main" xmlns:a="http://schemas.openxmlformats.org/drawingml/2006/main" xmlns:r="http://schemas.openxmlformats.org/officeDocument/2006/relationships">
+<p:sld xmlns:a="http://schemas.openxmlformats.org/drawingml/2006/main" xmlns:r="http://schemas.openxmlformats.org/officeDocument/2006/relationships" xmlns:p="http://schemas.openxmlformats.org/presentationml/2006/main">
   <p:cSld>
     <p:spTree>
       <p:nvGrpSpPr>
@@ -5964,12 +6169,12 @@
       </p:grpSpPr>
       <p:grpSp>
         <p:nvGrpSpPr>
-          <p:cNvPr name="Group 2" id="2"/>
+          <p:cNvPr id="2" name="Group 2"/>
           <p:cNvGrpSpPr/>
           <p:nvPr/>
         </p:nvGrpSpPr>
         <p:grpSpPr>
-          <a:xfrm rot="0">
+          <a:xfrm>
             <a:off x="0" y="0"/>
             <a:ext cx="18288000" cy="10287000"/>
             <a:chOff x="0" y="0"/>
@@ -5978,12 +6183,12 @@
         </p:grpSpPr>
         <p:sp>
           <p:nvSpPr>
-            <p:cNvPr name="Freeform 3" id="3"/>
+            <p:cNvPr id="3" name="Freeform 3"/>
             <p:cNvSpPr/>
             <p:nvPr/>
           </p:nvSpPr>
           <p:spPr>
-            <a:xfrm flipH="false" flipV="false" rot="0">
+            <a:xfrm>
               <a:off x="0" y="0"/>
               <a:ext cx="24384000" cy="13716000"/>
             </a:xfrm>
@@ -5992,9 +6197,9 @@
               <a:gdLst/>
               <a:ahLst/>
               <a:cxnLst/>
-              <a:rect r="r" b="b" t="t" l="l"/>
+              <a:rect l="l" t="t" r="r" b="b"/>
               <a:pathLst>
-                <a:path h="13716000" w="24384000">
+                <a:path w="24384000" h="13716000">
                   <a:moveTo>
                     <a:pt x="0" y="0"/>
                   </a:moveTo>
@@ -6017,20 +6222,27 @@
             <a:blipFill>
               <a:blip r:embed="rId2"/>
               <a:stretch>
-                <a:fillRect l="-6250" t="0" r="-6250" b="0"/>
+                <a:fillRect l="-6250" r="-6250"/>
               </a:stretch>
             </a:blipFill>
           </p:spPr>
+          <p:txBody>
+            <a:bodyPr/>
+            <a:lstStyle/>
+            <a:p>
+              <a:endParaRPr lang="es-ES" noProof="0" dirty="0"/>
+            </a:p>
+          </p:txBody>
         </p:sp>
       </p:grpSp>
       <p:grpSp>
         <p:nvGrpSpPr>
-          <p:cNvPr name="Group 4" id="4"/>
+          <p:cNvPr id="4" name="Group 4"/>
           <p:cNvGrpSpPr/>
           <p:nvPr/>
         </p:nvGrpSpPr>
         <p:grpSpPr>
-          <a:xfrm rot="0">
+          <a:xfrm>
             <a:off x="14117229" y="9031616"/>
             <a:ext cx="3854777" cy="900353"/>
             <a:chOff x="0" y="0"/>
@@ -6039,12 +6251,12 @@
         </p:grpSpPr>
         <p:sp>
           <p:nvSpPr>
-            <p:cNvPr name="Freeform 5" id="5"/>
+            <p:cNvPr id="5" name="Freeform 5"/>
             <p:cNvSpPr/>
             <p:nvPr/>
           </p:nvSpPr>
           <p:spPr>
-            <a:xfrm flipH="false" flipV="false" rot="0">
+            <a:xfrm>
               <a:off x="0" y="0"/>
               <a:ext cx="5139690" cy="1200531"/>
             </a:xfrm>
@@ -6053,9 +6265,9 @@
               <a:gdLst/>
               <a:ahLst/>
               <a:cxnLst/>
-              <a:rect r="r" b="b" t="t" l="l"/>
+              <a:rect l="l" t="t" r="r" b="b"/>
               <a:pathLst>
-                <a:path h="1200531" w="5139690">
+                <a:path w="5139690" h="1200531">
                   <a:moveTo>
                     <a:pt x="0" y="0"/>
                   </a:moveTo>
@@ -6078,34 +6290,41 @@
             <a:blipFill>
               <a:blip r:embed="rId3"/>
               <a:stretch>
-                <a:fillRect l="0" t="-51210" r="0" b="-51205"/>
+                <a:fillRect t="-51210" b="-51205"/>
               </a:stretch>
             </a:blipFill>
           </p:spPr>
+          <p:txBody>
+            <a:bodyPr/>
+            <a:lstStyle/>
+            <a:p>
+              <a:endParaRPr lang="es-ES" noProof="0" dirty="0"/>
+            </a:p>
+          </p:txBody>
         </p:sp>
       </p:grpSp>
       <p:grpSp>
         <p:nvGrpSpPr>
-          <p:cNvPr name="Group 6" id="6"/>
+          <p:cNvPr id="6" name="Group 6"/>
           <p:cNvGrpSpPr/>
           <p:nvPr/>
         </p:nvGrpSpPr>
         <p:grpSpPr>
-          <a:xfrm rot="0">
-            <a:off x="7449729" y="558251"/>
-            <a:ext cx="13335000" cy="1343001"/>
-            <a:chOff x="0" y="0"/>
-            <a:chExt cx="17780000" cy="1790668"/>
+          <a:xfrm>
+            <a:off x="6858000" y="368512"/>
+            <a:ext cx="10704451" cy="1145178"/>
+            <a:chOff x="0" y="-66521"/>
+            <a:chExt cx="17780000" cy="2000219"/>
           </a:xfrm>
         </p:grpSpPr>
         <p:sp>
           <p:nvSpPr>
-            <p:cNvPr name="Freeform 7" id="7"/>
+            <p:cNvPr id="7" name="Freeform 7"/>
             <p:cNvSpPr/>
             <p:nvPr/>
           </p:nvSpPr>
           <p:spPr>
-            <a:xfrm flipH="false" flipV="false" rot="0">
+            <a:xfrm>
               <a:off x="0" y="0"/>
               <a:ext cx="17780000" cy="1790668"/>
             </a:xfrm>
@@ -6114,9 +6333,9 @@
               <a:gdLst/>
               <a:ahLst/>
               <a:cxnLst/>
-              <a:rect r="r" b="b" t="t" l="l"/>
+              <a:rect l="l" t="t" r="r" b="b"/>
               <a:pathLst>
-                <a:path h="1790668" w="17780000">
+                <a:path w="17780000" h="1790668">
                   <a:moveTo>
                     <a:pt x="0" y="0"/>
                   </a:moveTo>
@@ -6139,24 +6358,31 @@
               </a:srgbClr>
             </a:solidFill>
           </p:spPr>
+          <p:txBody>
+            <a:bodyPr/>
+            <a:lstStyle/>
+            <a:p>
+              <a:endParaRPr lang="es-ES" noProof="0" dirty="0"/>
+            </a:p>
+          </p:txBody>
         </p:sp>
         <p:sp>
           <p:nvSpPr>
-            <p:cNvPr name="TextBox 8" id="8"/>
-            <p:cNvSpPr txBox="true"/>
+            <p:cNvPr id="8" name="TextBox 8"/>
+            <p:cNvSpPr txBox="1"/>
             <p:nvPr/>
           </p:nvSpPr>
           <p:spPr>
             <a:xfrm>
-              <a:off x="0" y="-209550"/>
-              <a:ext cx="17780000" cy="2000218"/>
+              <a:off x="79001" y="-66521"/>
+              <a:ext cx="13692172" cy="2000219"/>
             </a:xfrm>
             <a:prstGeom prst="rect">
               <a:avLst/>
             </a:prstGeom>
           </p:spPr>
           <p:txBody>
-            <a:bodyPr anchor="t" rtlCol="false" tIns="0" lIns="0" bIns="0" rIns="0"/>
+            <a:bodyPr lIns="0" tIns="0" rIns="0" bIns="0" rtlCol="0" anchor="t"/>
             <a:lstStyle/>
             <a:p>
               <a:pPr algn="l">
@@ -6165,7 +6391,7 @@
                 </a:lnSpc>
               </a:pPr>
               <a:r>
-                <a:rPr lang="en-US" sz="6600" b="true">
+                <a:rPr lang="es-ES" sz="6600" b="1" noProof="0" dirty="0">
                   <a:solidFill>
                     <a:srgbClr val="000000"/>
                   </a:solidFill>
@@ -6174,19 +6400,7 @@
                   <a:cs typeface="Arimo Bold"/>
                   <a:sym typeface="Arimo Bold"/>
                 </a:rPr>
-                <a:t>2</a:t>
-              </a:r>
-              <a:r>
-                <a:rPr lang="en-US" sz="6600" b="true">
-                  <a:solidFill>
-                    <a:srgbClr val="000000"/>
-                  </a:solidFill>
-                  <a:latin typeface="Arimo Bold"/>
-                  <a:ea typeface="Arimo Bold"/>
-                  <a:cs typeface="Arimo Bold"/>
-                  <a:sym typeface="Arimo Bold"/>
-                </a:rPr>
-                <a:t>. tipifica_variable()</a:t>
+                <a:t>2. tipifica_variable()</a:t>
               </a:r>
             </a:p>
           </p:txBody>
@@ -6194,12 +6408,12 @@
       </p:grpSp>
       <p:sp>
         <p:nvSpPr>
-          <p:cNvPr name="Freeform 9" id="9"/>
+          <p:cNvPr id="9" name="Freeform 9"/>
           <p:cNvSpPr/>
           <p:nvPr/>
         </p:nvSpPr>
         <p:spPr>
-          <a:xfrm flipH="false" flipV="false" rot="0">
+          <a:xfrm>
             <a:off x="5415855" y="2115796"/>
             <a:ext cx="7227690" cy="7822175"/>
           </a:xfrm>
@@ -6208,9 +6422,9 @@
             <a:gdLst/>
             <a:ahLst/>
             <a:cxnLst/>
-            <a:rect r="r" b="b" t="t" l="l"/>
+            <a:rect l="l" t="t" r="r" b="b"/>
             <a:pathLst>
-              <a:path h="7822175" w="7227690">
+              <a:path w="7227690" h="7822175">
                 <a:moveTo>
                   <a:pt x="0" y="0"/>
                 </a:moveTo>
@@ -6233,10 +6447,17 @@
           <a:blipFill>
             <a:blip r:embed="rId4"/>
             <a:stretch>
-              <a:fillRect l="0" t="0" r="0" b="0"/>
+              <a:fillRect/>
             </a:stretch>
           </a:blipFill>
         </p:spPr>
+        <p:txBody>
+          <a:bodyPr/>
+          <a:lstStyle/>
+          <a:p>
+            <a:endParaRPr lang="es-ES" noProof="0" dirty="0"/>
+          </a:p>
+        </p:txBody>
       </p:sp>
     </p:spTree>
   </p:cSld>
@@ -6247,7 +6468,7 @@
 </file>
 
 <file path=ppt/slides/slide7.xml><?xml version="1.0" encoding="utf-8"?>
-<p:sld xmlns:p="http://schemas.openxmlformats.org/presentationml/2006/main" xmlns:a="http://schemas.openxmlformats.org/drawingml/2006/main" xmlns:r="http://schemas.openxmlformats.org/officeDocument/2006/relationships">
+<p:sld xmlns:a="http://schemas.openxmlformats.org/drawingml/2006/main" xmlns:r="http://schemas.openxmlformats.org/officeDocument/2006/relationships" xmlns:p="http://schemas.openxmlformats.org/presentationml/2006/main">
   <p:cSld>
     <p:spTree>
       <p:nvGrpSpPr>
@@ -6265,12 +6486,12 @@
       </p:grpSpPr>
       <p:grpSp>
         <p:nvGrpSpPr>
-          <p:cNvPr name="Group 2" id="2"/>
+          <p:cNvPr id="2" name="Group 2"/>
           <p:cNvGrpSpPr/>
           <p:nvPr/>
         </p:nvGrpSpPr>
         <p:grpSpPr>
-          <a:xfrm rot="0">
+          <a:xfrm>
             <a:off x="0" y="0"/>
             <a:ext cx="18288000" cy="10287000"/>
             <a:chOff x="0" y="0"/>
@@ -6279,12 +6500,12 @@
         </p:grpSpPr>
         <p:sp>
           <p:nvSpPr>
-            <p:cNvPr name="Freeform 3" id="3"/>
+            <p:cNvPr id="3" name="Freeform 3"/>
             <p:cNvSpPr/>
             <p:nvPr/>
           </p:nvSpPr>
           <p:spPr>
-            <a:xfrm flipH="false" flipV="false" rot="0">
+            <a:xfrm>
               <a:off x="0" y="0"/>
               <a:ext cx="24384000" cy="13716000"/>
             </a:xfrm>
@@ -6293,9 +6514,9 @@
               <a:gdLst/>
               <a:ahLst/>
               <a:cxnLst/>
-              <a:rect r="r" b="b" t="t" l="l"/>
+              <a:rect l="l" t="t" r="r" b="b"/>
               <a:pathLst>
-                <a:path h="13716000" w="24384000">
+                <a:path w="24384000" h="13716000">
                   <a:moveTo>
                     <a:pt x="0" y="0"/>
                   </a:moveTo>
@@ -6318,20 +6539,27 @@
             <a:blipFill>
               <a:blip r:embed="rId2"/>
               <a:stretch>
-                <a:fillRect l="-6250" t="0" r="-6250" b="0"/>
+                <a:fillRect l="-6250" r="-6250"/>
               </a:stretch>
             </a:blipFill>
           </p:spPr>
+          <p:txBody>
+            <a:bodyPr/>
+            <a:lstStyle/>
+            <a:p>
+              <a:endParaRPr lang="es-ES" noProof="0" dirty="0"/>
+            </a:p>
+          </p:txBody>
         </p:sp>
       </p:grpSp>
       <p:grpSp>
         <p:nvGrpSpPr>
-          <p:cNvPr name="Group 4" id="4"/>
+          <p:cNvPr id="4" name="Group 4"/>
           <p:cNvGrpSpPr/>
           <p:nvPr/>
         </p:nvGrpSpPr>
         <p:grpSpPr>
-          <a:xfrm rot="0">
+          <a:xfrm>
             <a:off x="14117229" y="9031616"/>
             <a:ext cx="3854777" cy="900353"/>
             <a:chOff x="0" y="0"/>
@@ -6340,12 +6568,12 @@
         </p:grpSpPr>
         <p:sp>
           <p:nvSpPr>
-            <p:cNvPr name="Freeform 5" id="5"/>
+            <p:cNvPr id="5" name="Freeform 5"/>
             <p:cNvSpPr/>
             <p:nvPr/>
           </p:nvSpPr>
           <p:spPr>
-            <a:xfrm flipH="false" flipV="false" rot="0">
+            <a:xfrm>
               <a:off x="0" y="0"/>
               <a:ext cx="5139690" cy="1200531"/>
             </a:xfrm>
@@ -6354,9 +6582,9 @@
               <a:gdLst/>
               <a:ahLst/>
               <a:cxnLst/>
-              <a:rect r="r" b="b" t="t" l="l"/>
+              <a:rect l="l" t="t" r="r" b="b"/>
               <a:pathLst>
-                <a:path h="1200531" w="5139690">
+                <a:path w="5139690" h="1200531">
                   <a:moveTo>
                     <a:pt x="0" y="0"/>
                   </a:moveTo>
@@ -6379,34 +6607,41 @@
             <a:blipFill>
               <a:blip r:embed="rId3"/>
               <a:stretch>
-                <a:fillRect l="0" t="-51210" r="0" b="-51205"/>
+                <a:fillRect t="-51210" b="-51205"/>
               </a:stretch>
             </a:blipFill>
           </p:spPr>
+          <p:txBody>
+            <a:bodyPr/>
+            <a:lstStyle/>
+            <a:p>
+              <a:endParaRPr lang="es-ES" noProof="0" dirty="0"/>
+            </a:p>
+          </p:txBody>
         </p:sp>
       </p:grpSp>
       <p:grpSp>
         <p:nvGrpSpPr>
-          <p:cNvPr name="Group 6" id="6"/>
+          <p:cNvPr id="6" name="Group 6"/>
           <p:cNvGrpSpPr/>
           <p:nvPr/>
         </p:nvGrpSpPr>
         <p:grpSpPr>
-          <a:xfrm rot="0">
-            <a:off x="4032831" y="655030"/>
-            <a:ext cx="14759994" cy="1249680"/>
+          <a:xfrm>
+            <a:off x="6096000" y="655030"/>
+            <a:ext cx="11353800" cy="1249680"/>
             <a:chOff x="0" y="0"/>
             <a:chExt cx="19679992" cy="1666240"/>
           </a:xfrm>
         </p:grpSpPr>
         <p:sp>
           <p:nvSpPr>
-            <p:cNvPr name="Freeform 7" id="7"/>
+            <p:cNvPr id="7" name="Freeform 7"/>
             <p:cNvSpPr/>
             <p:nvPr/>
           </p:nvSpPr>
           <p:spPr>
-            <a:xfrm flipH="false" flipV="false" rot="0">
+            <a:xfrm>
               <a:off x="0" y="0"/>
               <a:ext cx="19679993" cy="1666240"/>
             </a:xfrm>
@@ -6415,9 +6650,9 @@
               <a:gdLst/>
               <a:ahLst/>
               <a:cxnLst/>
-              <a:rect r="r" b="b" t="t" l="l"/>
+              <a:rect l="l" t="t" r="r" b="b"/>
               <a:pathLst>
-                <a:path h="1666240" w="19679993">
+                <a:path w="19679993" h="1666240">
                   <a:moveTo>
                     <a:pt x="0" y="0"/>
                   </a:moveTo>
@@ -6440,11 +6675,18 @@
               </a:srgbClr>
             </a:solidFill>
           </p:spPr>
+          <p:txBody>
+            <a:bodyPr/>
+            <a:lstStyle/>
+            <a:p>
+              <a:endParaRPr lang="es-ES" noProof="0" dirty="0"/>
+            </a:p>
+          </p:txBody>
         </p:sp>
         <p:sp>
           <p:nvSpPr>
-            <p:cNvPr name="TextBox 8" id="8"/>
-            <p:cNvSpPr txBox="true"/>
+            <p:cNvPr id="8" name="TextBox 8"/>
+            <p:cNvSpPr txBox="1"/>
             <p:nvPr/>
           </p:nvSpPr>
           <p:spPr>
@@ -6457,7 +6699,7 @@
             </a:prstGeom>
           </p:spPr>
           <p:txBody>
-            <a:bodyPr anchor="t" rtlCol="false" tIns="0" lIns="0" bIns="0" rIns="0"/>
+            <a:bodyPr lIns="0" tIns="0" rIns="0" bIns="0" rtlCol="0" anchor="t"/>
             <a:lstStyle/>
             <a:p>
               <a:pPr algn="ctr">
@@ -6466,7 +6708,7 @@
                 </a:lnSpc>
               </a:pPr>
               <a:r>
-                <a:rPr lang="en-US" b="true" sz="6199" spc="-37">
+                <a:rPr lang="es-ES" sz="6199" b="1" spc="-37" noProof="0" dirty="0">
                   <a:solidFill>
                     <a:srgbClr val="000000"/>
                   </a:solidFill>
@@ -6483,12 +6725,12 @@
       </p:grpSp>
       <p:sp>
         <p:nvSpPr>
-          <p:cNvPr name="Freeform 9" id="9"/>
+          <p:cNvPr id="9" name="Freeform 9"/>
           <p:cNvSpPr/>
           <p:nvPr/>
         </p:nvSpPr>
         <p:spPr>
-          <a:xfrm flipH="false" flipV="false" rot="0">
+          <a:xfrm>
             <a:off x="5322171" y="2409114"/>
             <a:ext cx="10710708" cy="2429586"/>
           </a:xfrm>
@@ -6497,9 +6739,9 @@
             <a:gdLst/>
             <a:ahLst/>
             <a:cxnLst/>
-            <a:rect r="r" b="b" t="t" l="l"/>
+            <a:rect l="l" t="t" r="r" b="b"/>
             <a:pathLst>
-              <a:path h="2429586" w="10710708">
+              <a:path w="10710708" h="2429586">
                 <a:moveTo>
                   <a:pt x="0" y="0"/>
                 </a:moveTo>
@@ -6522,19 +6764,26 @@
           <a:blipFill>
             <a:blip r:embed="rId4"/>
             <a:stretch>
-              <a:fillRect l="0" t="0" r="0" b="0"/>
+              <a:fillRect/>
             </a:stretch>
           </a:blipFill>
         </p:spPr>
+        <p:txBody>
+          <a:bodyPr/>
+          <a:lstStyle/>
+          <a:p>
+            <a:endParaRPr lang="es-ES" noProof="0" dirty="0"/>
+          </a:p>
+        </p:txBody>
       </p:sp>
       <p:sp>
         <p:nvSpPr>
-          <p:cNvPr name="Freeform 10" id="10"/>
+          <p:cNvPr id="10" name="Freeform 10"/>
           <p:cNvSpPr/>
           <p:nvPr/>
         </p:nvSpPr>
         <p:spPr>
-          <a:xfrm flipH="false" flipV="false" rot="0">
+          <a:xfrm>
             <a:off x="1263882" y="7422836"/>
             <a:ext cx="11195997" cy="1751655"/>
           </a:xfrm>
@@ -6543,9 +6792,9 @@
             <a:gdLst/>
             <a:ahLst/>
             <a:cxnLst/>
-            <a:rect r="r" b="b" t="t" l="l"/>
+            <a:rect l="l" t="t" r="r" b="b"/>
             <a:pathLst>
-              <a:path h="1751655" w="11195997">
+              <a:path w="11195997" h="1751655">
                 <a:moveTo>
                   <a:pt x="0" y="0"/>
                 </a:moveTo>
@@ -6568,19 +6817,26 @@
           <a:blipFill>
             <a:blip r:embed="rId5"/>
             <a:stretch>
-              <a:fillRect l="0" t="0" r="0" b="0"/>
+              <a:fillRect/>
             </a:stretch>
           </a:blipFill>
         </p:spPr>
+        <p:txBody>
+          <a:bodyPr/>
+          <a:lstStyle/>
+          <a:p>
+            <a:endParaRPr lang="es-ES" noProof="0" dirty="0"/>
+          </a:p>
+        </p:txBody>
       </p:sp>
       <p:sp>
         <p:nvSpPr>
-          <p:cNvPr name="TextBox 11" id="11"/>
-          <p:cNvSpPr txBox="true"/>
+          <p:cNvPr id="11" name="TextBox 11"/>
+          <p:cNvSpPr txBox="1"/>
           <p:nvPr/>
         </p:nvSpPr>
         <p:spPr>
-          <a:xfrm rot="0">
+          <a:xfrm>
             <a:off x="1263882" y="6391417"/>
             <a:ext cx="3324511" cy="548754"/>
           </a:xfrm>
@@ -6589,7 +6845,7 @@
           </a:prstGeom>
         </p:spPr>
         <p:txBody>
-          <a:bodyPr anchor="t" rtlCol="false" tIns="0" lIns="0" bIns="0" rIns="0">
+          <a:bodyPr lIns="0" tIns="0" rIns="0" bIns="0" rtlCol="0" anchor="t">
             <a:spAutoFit/>
           </a:bodyPr>
           <a:lstStyle/>
@@ -6603,7 +6859,7 @@
               </a:spcBef>
             </a:pPr>
             <a:r>
-              <a:rPr lang="en-US" b="true" sz="3000">
+              <a:rPr lang="es-ES" sz="3000" b="1" noProof="0" dirty="0">
                 <a:solidFill>
                   <a:srgbClr val="000000"/>
                 </a:solidFill>
@@ -6626,7 +6882,7 @@
 </file>
 
 <file path=ppt/slides/slide8.xml><?xml version="1.0" encoding="utf-8"?>
-<p:sld xmlns:p="http://schemas.openxmlformats.org/presentationml/2006/main" xmlns:a="http://schemas.openxmlformats.org/drawingml/2006/main" xmlns:r="http://schemas.openxmlformats.org/officeDocument/2006/relationships">
+<p:sld xmlns:a="http://schemas.openxmlformats.org/drawingml/2006/main" xmlns:r="http://schemas.openxmlformats.org/officeDocument/2006/relationships" xmlns:p="http://schemas.openxmlformats.org/presentationml/2006/main">
   <p:cSld>
     <p:spTree>
       <p:nvGrpSpPr>
@@ -6644,12 +6900,12 @@
       </p:grpSpPr>
       <p:grpSp>
         <p:nvGrpSpPr>
-          <p:cNvPr name="Group 2" id="2"/>
+          <p:cNvPr id="2" name="Group 2"/>
           <p:cNvGrpSpPr/>
           <p:nvPr/>
         </p:nvGrpSpPr>
         <p:grpSpPr>
-          <a:xfrm rot="0">
+          <a:xfrm>
             <a:off x="0" y="0"/>
             <a:ext cx="18288000" cy="10287000"/>
             <a:chOff x="0" y="0"/>
@@ -6658,12 +6914,12 @@
         </p:grpSpPr>
         <p:sp>
           <p:nvSpPr>
-            <p:cNvPr name="Freeform 3" id="3"/>
+            <p:cNvPr id="3" name="Freeform 3"/>
             <p:cNvSpPr/>
             <p:nvPr/>
           </p:nvSpPr>
           <p:spPr>
-            <a:xfrm flipH="false" flipV="false" rot="0">
+            <a:xfrm>
               <a:off x="0" y="0"/>
               <a:ext cx="24384000" cy="13716000"/>
             </a:xfrm>
@@ -6672,9 +6928,9 @@
               <a:gdLst/>
               <a:ahLst/>
               <a:cxnLst/>
-              <a:rect r="r" b="b" t="t" l="l"/>
+              <a:rect l="l" t="t" r="r" b="b"/>
               <a:pathLst>
-                <a:path h="13716000" w="24384000">
+                <a:path w="24384000" h="13716000">
                   <a:moveTo>
                     <a:pt x="0" y="0"/>
                   </a:moveTo>
@@ -6697,20 +6953,27 @@
             <a:blipFill>
               <a:blip r:embed="rId2"/>
               <a:stretch>
-                <a:fillRect l="-6250" t="0" r="-6250" b="0"/>
+                <a:fillRect l="-6250" r="-6250"/>
               </a:stretch>
             </a:blipFill>
           </p:spPr>
+          <p:txBody>
+            <a:bodyPr/>
+            <a:lstStyle/>
+            <a:p>
+              <a:endParaRPr lang="es-ES" noProof="0" dirty="0"/>
+            </a:p>
+          </p:txBody>
         </p:sp>
       </p:grpSp>
       <p:grpSp>
         <p:nvGrpSpPr>
-          <p:cNvPr name="Group 4" id="4"/>
+          <p:cNvPr id="4" name="Group 4"/>
           <p:cNvGrpSpPr/>
           <p:nvPr/>
         </p:nvGrpSpPr>
         <p:grpSpPr>
-          <a:xfrm rot="0">
+          <a:xfrm>
             <a:off x="14117229" y="9031616"/>
             <a:ext cx="3854777" cy="900353"/>
             <a:chOff x="0" y="0"/>
@@ -6719,12 +6982,12 @@
         </p:grpSpPr>
         <p:sp>
           <p:nvSpPr>
-            <p:cNvPr name="Freeform 5" id="5"/>
+            <p:cNvPr id="5" name="Freeform 5"/>
             <p:cNvSpPr/>
             <p:nvPr/>
           </p:nvSpPr>
           <p:spPr>
-            <a:xfrm flipH="false" flipV="false" rot="0">
+            <a:xfrm>
               <a:off x="0" y="0"/>
               <a:ext cx="5139690" cy="1200531"/>
             </a:xfrm>
@@ -6733,9 +6996,9 @@
               <a:gdLst/>
               <a:ahLst/>
               <a:cxnLst/>
-              <a:rect r="r" b="b" t="t" l="l"/>
+              <a:rect l="l" t="t" r="r" b="b"/>
               <a:pathLst>
-                <a:path h="1200531" w="5139690">
+                <a:path w="5139690" h="1200531">
                   <a:moveTo>
                     <a:pt x="0" y="0"/>
                   </a:moveTo>
@@ -6758,20 +7021,27 @@
             <a:blipFill>
               <a:blip r:embed="rId3"/>
               <a:stretch>
-                <a:fillRect l="0" t="-51210" r="0" b="-51205"/>
+                <a:fillRect t="-51210" b="-51205"/>
               </a:stretch>
             </a:blipFill>
           </p:spPr>
+          <p:txBody>
+            <a:bodyPr/>
+            <a:lstStyle/>
+            <a:p>
+              <a:endParaRPr lang="es-ES" noProof="0" dirty="0"/>
+            </a:p>
+          </p:txBody>
         </p:sp>
       </p:grpSp>
       <p:grpSp>
         <p:nvGrpSpPr>
-          <p:cNvPr name="Group 6" id="6"/>
+          <p:cNvPr id="6" name="Group 6"/>
           <p:cNvGrpSpPr/>
           <p:nvPr/>
         </p:nvGrpSpPr>
         <p:grpSpPr>
-          <a:xfrm rot="0">
+          <a:xfrm>
             <a:off x="5000625" y="726721"/>
             <a:ext cx="13335000" cy="1330706"/>
             <a:chOff x="0" y="0"/>
@@ -6780,12 +7050,12 @@
         </p:grpSpPr>
         <p:sp>
           <p:nvSpPr>
-            <p:cNvPr name="Freeform 7" id="7"/>
+            <p:cNvPr id="7" name="Freeform 7"/>
             <p:cNvSpPr/>
             <p:nvPr/>
           </p:nvSpPr>
           <p:spPr>
-            <a:xfrm flipH="false" flipV="false" rot="0">
+            <a:xfrm>
               <a:off x="0" y="0"/>
               <a:ext cx="17780000" cy="1774275"/>
             </a:xfrm>
@@ -6794,9 +7064,9 @@
               <a:gdLst/>
               <a:ahLst/>
               <a:cxnLst/>
-              <a:rect r="r" b="b" t="t" l="l"/>
+              <a:rect l="l" t="t" r="r" b="b"/>
               <a:pathLst>
-                <a:path h="1774275" w="17780000">
+                <a:path w="17780000" h="1774275">
                   <a:moveTo>
                     <a:pt x="0" y="0"/>
                   </a:moveTo>
@@ -6819,11 +7089,18 @@
               </a:srgbClr>
             </a:solidFill>
           </p:spPr>
+          <p:txBody>
+            <a:bodyPr/>
+            <a:lstStyle/>
+            <a:p>
+              <a:endParaRPr lang="es-ES" noProof="0" dirty="0"/>
+            </a:p>
+          </p:txBody>
         </p:sp>
         <p:sp>
           <p:nvSpPr>
-            <p:cNvPr name="TextBox 8" id="8"/>
-            <p:cNvSpPr txBox="true"/>
+            <p:cNvPr id="8" name="TextBox 8"/>
+            <p:cNvSpPr txBox="1"/>
             <p:nvPr/>
           </p:nvSpPr>
           <p:spPr>
@@ -6836,7 +7113,7 @@
             </a:prstGeom>
           </p:spPr>
           <p:txBody>
-            <a:bodyPr anchor="t" rtlCol="false" tIns="0" lIns="0" bIns="0" rIns="0"/>
+            <a:bodyPr lIns="0" tIns="0" rIns="0" bIns="0" rtlCol="0" anchor="t"/>
             <a:lstStyle/>
             <a:p>
               <a:pPr algn="ctr">
@@ -6845,7 +7122,7 @@
                 </a:lnSpc>
               </a:pPr>
               <a:r>
-                <a:rPr lang="en-US" b="true" sz="6600" spc="-40">
+                <a:rPr lang="es-ES" sz="6600" b="1" spc="-40" noProof="0" dirty="0">
                   <a:solidFill>
                     <a:srgbClr val="000000"/>
                   </a:solidFill>
@@ -6854,19 +7131,7 @@
                   <a:cs typeface="TT Rounds Condensed Bold"/>
                   <a:sym typeface="TT Rounds Condensed Bold"/>
                 </a:rPr>
-                <a:t>4</a:t>
-              </a:r>
-              <a:r>
-                <a:rPr lang="en-US" b="true" sz="6600" spc="-40">
-                  <a:solidFill>
-                    <a:srgbClr val="000000"/>
-                  </a:solidFill>
-                  <a:latin typeface="TT Rounds Condensed Bold"/>
-                  <a:ea typeface="TT Rounds Condensed Bold"/>
-                  <a:cs typeface="TT Rounds Condensed Bold"/>
-                  <a:sym typeface="TT Rounds Condensed Bold"/>
-                </a:rPr>
-                <a:t>. plot_features_num_regression()</a:t>
+                <a:t>4. plot_features_num_regression()</a:t>
               </a:r>
             </a:p>
           </p:txBody>
@@ -6874,12 +7139,12 @@
       </p:grpSp>
       <p:sp>
         <p:nvSpPr>
-          <p:cNvPr name="Freeform 9" id="9"/>
+          <p:cNvPr id="9" name="Freeform 9"/>
           <p:cNvSpPr/>
           <p:nvPr/>
         </p:nvSpPr>
         <p:spPr>
-          <a:xfrm flipH="false" flipV="false" rot="0">
+          <a:xfrm>
             <a:off x="4689375" y="3290425"/>
             <a:ext cx="11702380" cy="5033282"/>
           </a:xfrm>
@@ -6888,9 +7153,9 @@
             <a:gdLst/>
             <a:ahLst/>
             <a:cxnLst/>
-            <a:rect r="r" b="b" t="t" l="l"/>
+            <a:rect l="l" t="t" r="r" b="b"/>
             <a:pathLst>
-              <a:path h="5033282" w="11702380">
+              <a:path w="11702380" h="5033282">
                 <a:moveTo>
                   <a:pt x="0" y="0"/>
                 </a:moveTo>
@@ -6913,19 +7178,26 @@
           <a:blipFill>
             <a:blip r:embed="rId4"/>
             <a:stretch>
-              <a:fillRect l="0" t="0" r="0" b="0"/>
+              <a:fillRect/>
             </a:stretch>
           </a:blipFill>
         </p:spPr>
+        <p:txBody>
+          <a:bodyPr/>
+          <a:lstStyle/>
+          <a:p>
+            <a:endParaRPr lang="es-ES" noProof="0" dirty="0"/>
+          </a:p>
+        </p:txBody>
       </p:sp>
       <p:sp>
         <p:nvSpPr>
-          <p:cNvPr name="Freeform 10" id="10"/>
+          <p:cNvPr id="10" name="Freeform 10"/>
           <p:cNvSpPr/>
           <p:nvPr/>
         </p:nvSpPr>
         <p:spPr>
-          <a:xfrm flipH="false" flipV="false" rot="0">
+          <a:xfrm>
             <a:off x="7478599" y="8830062"/>
             <a:ext cx="5102451" cy="555509"/>
           </a:xfrm>
@@ -6934,9 +7206,9 @@
             <a:gdLst/>
             <a:ahLst/>
             <a:cxnLst/>
-            <a:rect r="r" b="b" t="t" l="l"/>
+            <a:rect l="l" t="t" r="r" b="b"/>
             <a:pathLst>
-              <a:path h="555509" w="5102451">
+              <a:path w="5102451" h="555509">
                 <a:moveTo>
                   <a:pt x="0" y="0"/>
                 </a:moveTo>
@@ -6959,19 +7231,26 @@
           <a:blipFill>
             <a:blip r:embed="rId5"/>
             <a:stretch>
-              <a:fillRect l="0" t="0" r="0" b="0"/>
+              <a:fillRect/>
             </a:stretch>
           </a:blipFill>
         </p:spPr>
+        <p:txBody>
+          <a:bodyPr/>
+          <a:lstStyle/>
+          <a:p>
+            <a:endParaRPr lang="es-ES" noProof="0" dirty="0"/>
+          </a:p>
+        </p:txBody>
       </p:sp>
       <p:sp>
         <p:nvSpPr>
-          <p:cNvPr name="Freeform 11" id="11"/>
+          <p:cNvPr id="11" name="Freeform 11"/>
           <p:cNvSpPr/>
           <p:nvPr/>
         </p:nvSpPr>
         <p:spPr>
-          <a:xfrm flipH="false" flipV="false" rot="0">
+          <a:xfrm>
             <a:off x="4114800" y="2257452"/>
             <a:ext cx="13575429" cy="644833"/>
           </a:xfrm>
@@ -6980,9 +7259,9 @@
             <a:gdLst/>
             <a:ahLst/>
             <a:cxnLst/>
-            <a:rect r="r" b="b" t="t" l="l"/>
+            <a:rect l="l" t="t" r="r" b="b"/>
             <a:pathLst>
-              <a:path h="644833" w="13575429">
+              <a:path w="13575429" h="644833">
                 <a:moveTo>
                   <a:pt x="0" y="0"/>
                 </a:moveTo>
@@ -7005,10 +7284,17 @@
           <a:blipFill>
             <a:blip r:embed="rId6"/>
             <a:stretch>
-              <a:fillRect l="0" t="0" r="0" b="0"/>
+              <a:fillRect/>
             </a:stretch>
           </a:blipFill>
         </p:spPr>
+        <p:txBody>
+          <a:bodyPr/>
+          <a:lstStyle/>
+          <a:p>
+            <a:endParaRPr lang="es-ES" noProof="0" dirty="0"/>
+          </a:p>
+        </p:txBody>
       </p:sp>
     </p:spTree>
   </p:cSld>
@@ -7019,7 +7305,7 @@
 </file>
 
 <file path=ppt/slides/slide9.xml><?xml version="1.0" encoding="utf-8"?>
-<p:sld xmlns:p="http://schemas.openxmlformats.org/presentationml/2006/main" xmlns:a="http://schemas.openxmlformats.org/drawingml/2006/main" xmlns:r="http://schemas.openxmlformats.org/officeDocument/2006/relationships">
+<p:sld xmlns:a="http://schemas.openxmlformats.org/drawingml/2006/main" xmlns:r="http://schemas.openxmlformats.org/officeDocument/2006/relationships" xmlns:p="http://schemas.openxmlformats.org/presentationml/2006/main">
   <p:cSld>
     <p:spTree>
       <p:nvGrpSpPr>
@@ -7037,12 +7323,12 @@
       </p:grpSpPr>
       <p:grpSp>
         <p:nvGrpSpPr>
-          <p:cNvPr name="Group 2" id="2"/>
+          <p:cNvPr id="2" name="Group 2"/>
           <p:cNvGrpSpPr/>
           <p:nvPr/>
         </p:nvGrpSpPr>
         <p:grpSpPr>
-          <a:xfrm rot="0">
+          <a:xfrm>
             <a:off x="0" y="0"/>
             <a:ext cx="18288000" cy="10287000"/>
             <a:chOff x="0" y="0"/>
@@ -7051,12 +7337,12 @@
         </p:grpSpPr>
         <p:sp>
           <p:nvSpPr>
-            <p:cNvPr name="Freeform 3" id="3"/>
+            <p:cNvPr id="3" name="Freeform 3"/>
             <p:cNvSpPr/>
             <p:nvPr/>
           </p:nvSpPr>
           <p:spPr>
-            <a:xfrm flipH="false" flipV="false" rot="0">
+            <a:xfrm>
               <a:off x="0" y="0"/>
               <a:ext cx="24384000" cy="13716000"/>
             </a:xfrm>
@@ -7065,9 +7351,9 @@
               <a:gdLst/>
               <a:ahLst/>
               <a:cxnLst/>
-              <a:rect r="r" b="b" t="t" l="l"/>
+              <a:rect l="l" t="t" r="r" b="b"/>
               <a:pathLst>
-                <a:path h="13716000" w="24384000">
+                <a:path w="24384000" h="13716000">
                   <a:moveTo>
                     <a:pt x="0" y="0"/>
                   </a:moveTo>
@@ -7090,20 +7376,27 @@
             <a:blipFill>
               <a:blip r:embed="rId2"/>
               <a:stretch>
-                <a:fillRect l="-6250" t="0" r="-6250" b="0"/>
+                <a:fillRect l="-6250" r="-6250"/>
               </a:stretch>
             </a:blipFill>
           </p:spPr>
+          <p:txBody>
+            <a:bodyPr/>
+            <a:lstStyle/>
+            <a:p>
+              <a:endParaRPr lang="es-ES" noProof="0" dirty="0"/>
+            </a:p>
+          </p:txBody>
         </p:sp>
       </p:grpSp>
       <p:grpSp>
         <p:nvGrpSpPr>
-          <p:cNvPr name="Group 4" id="4"/>
+          <p:cNvPr id="4" name="Group 4"/>
           <p:cNvGrpSpPr/>
           <p:nvPr/>
         </p:nvGrpSpPr>
         <p:grpSpPr>
-          <a:xfrm rot="0">
+          <a:xfrm>
             <a:off x="14117229" y="9031616"/>
             <a:ext cx="3854777" cy="900353"/>
             <a:chOff x="0" y="0"/>
@@ -7112,12 +7405,12 @@
         </p:grpSpPr>
         <p:sp>
           <p:nvSpPr>
-            <p:cNvPr name="Freeform 5" id="5"/>
+            <p:cNvPr id="5" name="Freeform 5"/>
             <p:cNvSpPr/>
             <p:nvPr/>
           </p:nvSpPr>
           <p:spPr>
-            <a:xfrm flipH="false" flipV="false" rot="0">
+            <a:xfrm>
               <a:off x="0" y="0"/>
               <a:ext cx="5139690" cy="1200531"/>
             </a:xfrm>
@@ -7126,9 +7419,9 @@
               <a:gdLst/>
               <a:ahLst/>
               <a:cxnLst/>
-              <a:rect r="r" b="b" t="t" l="l"/>
+              <a:rect l="l" t="t" r="r" b="b"/>
               <a:pathLst>
-                <a:path h="1200531" w="5139690">
+                <a:path w="5139690" h="1200531">
                   <a:moveTo>
                     <a:pt x="0" y="0"/>
                   </a:moveTo>
@@ -7151,20 +7444,27 @@
             <a:blipFill>
               <a:blip r:embed="rId3"/>
               <a:stretch>
-                <a:fillRect l="0" t="-51210" r="0" b="-51205"/>
+                <a:fillRect t="-51210" b="-51205"/>
               </a:stretch>
             </a:blipFill>
           </p:spPr>
+          <p:txBody>
+            <a:bodyPr/>
+            <a:lstStyle/>
+            <a:p>
+              <a:endParaRPr lang="es-ES" noProof="0" dirty="0"/>
+            </a:p>
+          </p:txBody>
         </p:sp>
       </p:grpSp>
       <p:grpSp>
         <p:nvGrpSpPr>
-          <p:cNvPr name="Group 6" id="6"/>
+          <p:cNvPr id="6" name="Group 6"/>
           <p:cNvGrpSpPr/>
           <p:nvPr/>
         </p:nvGrpSpPr>
         <p:grpSpPr>
-          <a:xfrm rot="0">
+          <a:xfrm>
             <a:off x="4204281" y="655030"/>
             <a:ext cx="14759994" cy="1249680"/>
             <a:chOff x="0" y="0"/>
@@ -7173,12 +7473,12 @@
         </p:grpSpPr>
         <p:sp>
           <p:nvSpPr>
-            <p:cNvPr name="Freeform 7" id="7"/>
+            <p:cNvPr id="7" name="Freeform 7"/>
             <p:cNvSpPr/>
             <p:nvPr/>
           </p:nvSpPr>
           <p:spPr>
-            <a:xfrm flipH="false" flipV="false" rot="0">
+            <a:xfrm>
               <a:off x="0" y="0"/>
               <a:ext cx="19679993" cy="1666240"/>
             </a:xfrm>
@@ -7187,9 +7487,9 @@
               <a:gdLst/>
               <a:ahLst/>
               <a:cxnLst/>
-              <a:rect r="r" b="b" t="t" l="l"/>
+              <a:rect l="l" t="t" r="r" b="b"/>
               <a:pathLst>
-                <a:path h="1666240" w="19679993">
+                <a:path w="19679993" h="1666240">
                   <a:moveTo>
                     <a:pt x="0" y="0"/>
                   </a:moveTo>
@@ -7212,11 +7512,18 @@
               </a:srgbClr>
             </a:solidFill>
           </p:spPr>
+          <p:txBody>
+            <a:bodyPr/>
+            <a:lstStyle/>
+            <a:p>
+              <a:endParaRPr lang="es-ES" noProof="0" dirty="0"/>
+            </a:p>
+          </p:txBody>
         </p:sp>
         <p:sp>
           <p:nvSpPr>
-            <p:cNvPr name="TextBox 8" id="8"/>
-            <p:cNvSpPr txBox="true"/>
+            <p:cNvPr id="8" name="TextBox 8"/>
+            <p:cNvSpPr txBox="1"/>
             <p:nvPr/>
           </p:nvSpPr>
           <p:spPr>
@@ -7229,7 +7536,7 @@
             </a:prstGeom>
           </p:spPr>
           <p:txBody>
-            <a:bodyPr anchor="t" rtlCol="false" tIns="0" lIns="0" bIns="0" rIns="0"/>
+            <a:bodyPr lIns="0" tIns="0" rIns="0" bIns="0" rtlCol="0" anchor="t"/>
             <a:lstStyle/>
             <a:p>
               <a:pPr algn="ctr">
@@ -7238,7 +7545,7 @@
                 </a:lnSpc>
               </a:pPr>
               <a:r>
-                <a:rPr lang="en-US" b="true" sz="6199" spc="-37">
+                <a:rPr lang="es-ES" sz="6199" b="1" spc="-37" noProof="0" dirty="0">
                   <a:solidFill>
                     <a:srgbClr val="000000"/>
                   </a:solidFill>
@@ -7247,19 +7554,7 @@
                   <a:cs typeface="TT Rounds Condensed Bold"/>
                   <a:sym typeface="TT Rounds Condensed Bold"/>
                 </a:rPr>
-                <a:t>5</a:t>
-              </a:r>
-              <a:r>
-                <a:rPr lang="en-US" b="true" sz="6199" spc="-37">
-                  <a:solidFill>
-                    <a:srgbClr val="000000"/>
-                  </a:solidFill>
-                  <a:latin typeface="TT Rounds Condensed Bold"/>
-                  <a:ea typeface="TT Rounds Condensed Bold"/>
-                  <a:cs typeface="TT Rounds Condensed Bold"/>
-                  <a:sym typeface="TT Rounds Condensed Bold"/>
-                </a:rPr>
-                <a:t>. get_features_cat_regression()</a:t>
+                <a:t>5. get_features_cat_regression()</a:t>
               </a:r>
             </a:p>
           </p:txBody>
@@ -7267,12 +7562,12 @@
       </p:grpSp>
       <p:sp>
         <p:nvSpPr>
-          <p:cNvPr name="Freeform 9" id="9"/>
+          <p:cNvPr id="9" name="Freeform 9"/>
           <p:cNvSpPr/>
           <p:nvPr/>
         </p:nvSpPr>
         <p:spPr>
-          <a:xfrm flipH="false" flipV="false" rot="0">
+          <a:xfrm>
             <a:off x="3033726" y="1904710"/>
             <a:ext cx="13873149" cy="7803646"/>
           </a:xfrm>
@@ -7281,9 +7576,9 @@
             <a:gdLst/>
             <a:ahLst/>
             <a:cxnLst/>
-            <a:rect r="r" b="b" t="t" l="l"/>
+            <a:rect l="l" t="t" r="r" b="b"/>
             <a:pathLst>
-              <a:path h="7803646" w="13873149">
+              <a:path w="13873149" h="7803646">
                 <a:moveTo>
                   <a:pt x="0" y="0"/>
                 </a:moveTo>
@@ -7306,10 +7601,17 @@
           <a:blipFill>
             <a:blip r:embed="rId4"/>
             <a:stretch>
-              <a:fillRect l="0" t="0" r="0" b="0"/>
+              <a:fillRect/>
             </a:stretch>
           </a:blipFill>
         </p:spPr>
+        <p:txBody>
+          <a:bodyPr/>
+          <a:lstStyle/>
+          <a:p>
+            <a:endParaRPr lang="es-ES" noProof="0" dirty="0"/>
+          </a:p>
+        </p:txBody>
       </p:sp>
     </p:spTree>
   </p:cSld>
